--- a/poster.pptx
+++ b/poster.pptx
@@ -483,7 +483,7 @@
             <a:fld id="{D1C24FCE-D600-4EA0-889A-0E64E11CF1F8}" type="slidenum">
               <a:rPr lang="da-DK" altLang="da-DK"/>
               <a:pPr/>
-              <a:t>‹#›</a:t>
+              <a:t>‹nr.›</a:t>
             </a:fld>
             <a:endParaRPr lang="da-DK" altLang="da-DK"/>
           </a:p>
@@ -936,7 +936,7 @@
             <a:fld id="{D26419DD-F9A1-448A-88AB-299E4BE4119A}" type="slidenum">
               <a:rPr lang="da-DK" altLang="da-DK"/>
               <a:pPr/>
-              <a:t>‹#›</a:t>
+              <a:t>‹nr.›</a:t>
             </a:fld>
             <a:endParaRPr lang="da-DK" altLang="da-DK"/>
           </a:p>
@@ -3914,7 +3914,7 @@
           <a:p>
             <a:r>
               <a:rPr lang="en-US" sz="3500" dirty="0"/>
-              <a:t>The purpose of this project is to model Covid-19 spread using physics-informed neural networks (PINN).</a:t>
+              <a:t>The purpose of this project is to model Covid-19 spread using physics-informed neural networks (PINN)</a:t>
             </a:r>
             <a:endParaRPr lang="da-DK" dirty="0"/>
           </a:p>
@@ -4015,70 +4015,67 @@
               </a:rPr>
             </a:br>
             <a:br>
-              <a:rPr lang="da-DK" altLang="da-DK" sz="16000" dirty="0">
+              <a:rPr lang="en-US" altLang="da-DK" sz="16000" dirty="0">
                 <a:solidFill>
                   <a:schemeClr val="tx1"/>
                 </a:solidFill>
               </a:rPr>
             </a:br>
             <a:br>
-              <a:rPr lang="da-DK" altLang="da-DK" sz="16000" dirty="0">
+              <a:rPr lang="en-US" altLang="da-DK" sz="16000" dirty="0">
                 <a:solidFill>
                   <a:schemeClr val="tx1"/>
                 </a:solidFill>
               </a:rPr>
             </a:br>
             <a:br>
-              <a:rPr lang="da-DK" altLang="da-DK" sz="16000" dirty="0">
+              <a:rPr lang="en-US" altLang="da-DK" sz="16000" dirty="0">
                 <a:solidFill>
                   <a:schemeClr val="tx1"/>
                 </a:solidFill>
               </a:rPr>
             </a:br>
             <a:br>
-              <a:rPr lang="da-DK" altLang="da-DK" sz="16000" dirty="0">
+              <a:rPr lang="en-US" altLang="da-DK" sz="16000" dirty="0">
                 <a:solidFill>
                   <a:schemeClr val="tx1"/>
                 </a:solidFill>
               </a:rPr>
             </a:br>
             <a:r>
-              <a:rPr lang="da-DK" altLang="da-DK" sz="16000" dirty="0">
+              <a:rPr lang="en-US" altLang="da-DK" sz="15000" dirty="0">
                 <a:solidFill>
                   <a:schemeClr val="tx1"/>
                 </a:solidFill>
               </a:rPr>
-              <a:t>Finding a Polar Bear on Ice </a:t>
+              <a:t>Predicting spread of Covid-19</a:t>
             </a:r>
             <a:br>
-              <a:rPr lang="da-DK" altLang="da-DK" dirty="0"/>
+              <a:rPr lang="en-US" altLang="da-DK" dirty="0"/>
             </a:br>
             <a:br>
-              <a:rPr lang="da-DK" altLang="da-DK" dirty="0"/>
+              <a:rPr lang="en-US" altLang="da-DK" dirty="0"/>
             </a:br>
             <a:br>
-              <a:rPr lang="da-DK" altLang="da-DK" dirty="0"/>
+              <a:rPr lang="en-US" altLang="da-DK" dirty="0"/>
             </a:br>
             <a:br>
-              <a:rPr lang="da-DK" altLang="da-DK" dirty="0"/>
+              <a:rPr lang="en-US" altLang="da-DK" dirty="0"/>
             </a:br>
             <a:br>
-              <a:rPr lang="da-DK" altLang="da-DK" dirty="0"/>
+              <a:rPr lang="en-US" altLang="da-DK" dirty="0"/>
             </a:br>
             <a:br>
-              <a:rPr lang="da-DK" altLang="da-DK" dirty="0"/>
+              <a:rPr lang="en-US" altLang="da-DK" dirty="0"/>
             </a:br>
             <a:br>
-              <a:rPr lang="da-DK" altLang="da-DK" dirty="0"/>
+              <a:rPr lang="en-US" altLang="da-DK" dirty="0"/>
             </a:br>
             <a:br>
-              <a:rPr lang="da-DK" altLang="da-DK" dirty="0"/>
+              <a:rPr lang="en-US" altLang="da-DK" dirty="0"/>
             </a:br>
             <a:br>
-              <a:rPr lang="da-DK" altLang="da-DK" dirty="0"/>
-            </a:br>
-            <a:br>
-              <a:rPr lang="da-DK" altLang="da-DK" dirty="0"/>
+              <a:rPr lang="en-US" altLang="da-DK" dirty="0"/>
             </a:br>
             <a:br>
               <a:rPr lang="da-DK" altLang="da-DK" dirty="0"/>
@@ -4103,17 +4100,25 @@
                   <a:schemeClr val="tx1"/>
                 </a:solidFill>
               </a:rPr>
-              <a:t>- Using Probabilistic Chan-Vese</a:t>
+              <a:t>- </a:t>
+            </a:r>
+            <a:r>
+              <a:rPr lang="en-US" altLang="da-DK" sz="8800" dirty="0">
+                <a:solidFill>
+                  <a:schemeClr val="tx1"/>
+                </a:solidFill>
+              </a:rPr>
+              <a:t>Using Physics-Informed Neural Networks</a:t>
             </a:r>
             <a:br>
-              <a:rPr lang="da-DK" altLang="da-DK" dirty="0">
+              <a:rPr lang="en-US" altLang="da-DK" dirty="0">
                 <a:solidFill>
                   <a:schemeClr val="tx1"/>
                 </a:solidFill>
               </a:rPr>
             </a:br>
             <a:br>
-              <a:rPr lang="da-DK" altLang="da-DK" dirty="0">
+              <a:rPr lang="en-US" altLang="da-DK" dirty="0">
                 <a:solidFill>
                   <a:schemeClr val="tx1"/>
                 </a:solidFill>
@@ -4367,8 +4372,8 @@
         </p:nvSpPr>
         <p:spPr>
           <a:xfrm>
-            <a:off x="15863938" y="37557244"/>
-            <a:ext cx="12378192" cy="3093154"/>
+            <a:off x="15863937" y="37318030"/>
+            <a:ext cx="12813553" cy="3862596"/>
           </a:xfrm>
           <a:prstGeom prst="rect">
             <a:avLst/>
@@ -4382,17 +4387,34 @@
           <a:lstStyle/>
           <a:p>
             <a:r>
-              <a:rPr lang="da-DK" sz="3500" dirty="0"/>
-              <a:t>Being able to work with multiple areas as foreground.</a:t>
-            </a:r>
-          </a:p>
-          <a:p>
-            <a:endParaRPr lang="da-DK" sz="2000" dirty="0"/>
-          </a:p>
-          <a:p>
-            <a:r>
-              <a:rPr lang="da-DK" sz="3500" dirty="0"/>
-              <a:t>Minimize influence of initial conditions, such as the placement and size of the initial snake. This could be done by initialising several snakes in different position, making a probability map from each result, and use this to find the foreground.</a:t>
+              <a:rPr lang="en-US" sz="3500" dirty="0"/>
+              <a:t>A key component in the capability of the PINN is the loss term. </a:t>
+            </a:r>
+          </a:p>
+          <a:p>
+            <a:r>
+              <a:rPr lang="en-US" sz="3500" dirty="0"/>
+              <a:t>The loss term contains 4 terms from the data and 4 terms from the ODE (one for each SIRD).</a:t>
+            </a:r>
+          </a:p>
+          <a:p>
+            <a:r>
+              <a:rPr lang="en-US" sz="3500" dirty="0"/>
+              <a:t>When these terms are weighted evenly, the loss for S will dominate due to the scaling between the terms.</a:t>
+            </a:r>
+          </a:p>
+          <a:p>
+            <a:r>
+              <a:rPr lang="en-US" sz="3500" dirty="0"/>
+              <a:t>By implementing </a:t>
+            </a:r>
+            <a:r>
+              <a:rPr lang="en-US" sz="3500" dirty="0" err="1"/>
+              <a:t>SoftAdapt</a:t>
+            </a:r>
+            <a:r>
+              <a:rPr lang="en-US" sz="3500" dirty="0"/>
+              <a:t> we hope to rescale the loss terms during the run to favor all components.</a:t>
             </a:r>
           </a:p>
         </p:txBody>
@@ -4497,55 +4519,310 @@
           </a:p>
         </p:txBody>
       </p:sp>
-      <p:sp>
-        <p:nvSpPr>
-          <p:cNvPr id="73" name="Tekstfelt 72">
-            <a:extLst>
-              <a:ext uri="{FF2B5EF4-FFF2-40B4-BE49-F238E27FC236}">
-                <a16:creationId xmlns:a16="http://schemas.microsoft.com/office/drawing/2014/main" id="{9C9EC7BE-4817-4AED-A0E6-041CCFB999AE}"/>
-              </a:ext>
-            </a:extLst>
-          </p:cNvPr>
-          <p:cNvSpPr txBox="1"/>
-          <p:nvPr/>
-        </p:nvSpPr>
-        <p:spPr>
-          <a:xfrm>
-            <a:off x="15823183" y="10879475"/>
-            <a:ext cx="5509492" cy="1708160"/>
-          </a:xfrm>
-          <a:prstGeom prst="rect">
-            <a:avLst/>
-          </a:prstGeom>
-          <a:noFill/>
-        </p:spPr>
-        <p:txBody>
-          <a:bodyPr wrap="square" rtlCol="0">
-            <a:spAutoFit/>
-          </a:bodyPr>
-          <a:lstStyle/>
-          <a:p>
-            <a:r>
-              <a:rPr lang="en-US" sz="3500" dirty="0"/>
-              <a:t>Write parameters</a:t>
-            </a:r>
-          </a:p>
-          <a:p>
-            <a:r>
-              <a:rPr lang="en-US" sz="3500" dirty="0"/>
-              <a:t>Change </a:t>
-            </a:r>
-            <a:r>
-              <a:rPr lang="en-US" sz="3500" dirty="0" err="1"/>
-              <a:t>tcut</a:t>
-            </a:r>
-            <a:r>
-              <a:rPr lang="en-US" sz="3500" dirty="0"/>
-              <a:t> and predict timing of peak</a:t>
-            </a:r>
-          </a:p>
-        </p:txBody>
-      </p:sp>
+      <mc:AlternateContent xmlns:mc="http://schemas.openxmlformats.org/markup-compatibility/2006">
+        <mc:Choice xmlns:a14="http://schemas.microsoft.com/office/drawing/2010/main" Requires="a14">
+          <p:sp>
+            <p:nvSpPr>
+              <p:cNvPr id="73" name="Tekstfelt 72">
+                <a:extLst>
+                  <a:ext uri="{FF2B5EF4-FFF2-40B4-BE49-F238E27FC236}">
+                    <a16:creationId xmlns:a16="http://schemas.microsoft.com/office/drawing/2014/main" id="{9C9EC7BE-4817-4AED-A0E6-041CCFB999AE}"/>
+                  </a:ext>
+                </a:extLst>
+              </p:cNvPr>
+              <p:cNvSpPr txBox="1"/>
+              <p:nvPr/>
+            </p:nvSpPr>
+            <p:spPr>
+              <a:xfrm>
+                <a:off x="15823183" y="10879475"/>
+                <a:ext cx="5581500" cy="6585842"/>
+              </a:xfrm>
+              <a:prstGeom prst="rect">
+                <a:avLst/>
+              </a:prstGeom>
+              <a:noFill/>
+            </p:spPr>
+            <p:txBody>
+              <a:bodyPr wrap="square" rtlCol="0">
+                <a:spAutoFit/>
+              </a:bodyPr>
+              <a:lstStyle/>
+              <a:p>
+                <a:r>
+                  <a:rPr lang="en-US" sz="3500" dirty="0"/>
+                  <a:t>A key question in an epidemic is when will the peak occur – the earlier it is known, the better it can help guide decision-making</a:t>
+                </a:r>
+              </a:p>
+              <a:p>
+                <a:endParaRPr lang="en-US" sz="3500" dirty="0"/>
+              </a:p>
+              <a:p>
+                <a:r>
+                  <a:rPr lang="en-US" sz="3500" dirty="0"/>
+                  <a:t>This has been predicted for different </a:t>
+                </a:r>
+                <a:r>
+                  <a:rPr lang="en-US" sz="3500" i="1" dirty="0" err="1"/>
+                  <a:t>t</a:t>
+                </a:r>
+                <a:r>
+                  <a:rPr lang="en-US" sz="3500" i="1" baseline="-25000" dirty="0" err="1"/>
+                  <a:t>cut</a:t>
+                </a:r>
+                <a:r>
+                  <a:rPr lang="en-US" sz="3500" dirty="0"/>
+                  <a:t> using </a:t>
+                </a:r>
+              </a:p>
+              <a:p>
+                <a:pPr/>
+                <a14:m>
+                  <m:oMathPara xmlns:m="http://schemas.openxmlformats.org/officeDocument/2006/math">
+                    <m:oMathParaPr>
+                      <m:jc m:val="left"/>
+                    </m:oMathParaPr>
+                    <m:oMath xmlns:m="http://schemas.openxmlformats.org/officeDocument/2006/math">
+                      <m:sSub>
+                        <m:sSubPr>
+                          <m:ctrlPr>
+                            <a:rPr lang="en-US" sz="3500" b="0" i="1" smtClean="0">
+                              <a:latin typeface="Cambria Math" panose="02040503050406030204" pitchFamily="18" charset="0"/>
+                            </a:rPr>
+                          </m:ctrlPr>
+                        </m:sSubPr>
+                        <m:e>
+                          <m:r>
+                            <a:rPr lang="en-US" sz="3500" b="0" i="1" smtClean="0">
+                              <a:latin typeface="Cambria Math" panose="02040503050406030204" pitchFamily="18" charset="0"/>
+                            </a:rPr>
+                            <m:t>𝑛</m:t>
+                          </m:r>
+                        </m:e>
+                        <m:sub>
+                          <m:r>
+                            <a:rPr lang="en-US" sz="3500" b="0" i="1" smtClean="0">
+                              <a:latin typeface="Cambria Math" panose="02040503050406030204" pitchFamily="18" charset="0"/>
+                            </a:rPr>
+                            <m:t>𝑙𝑎𝑦𝑒𝑟𝑠</m:t>
+                          </m:r>
+                        </m:sub>
+                      </m:sSub>
+                      <m:r>
+                        <a:rPr lang="en-US" sz="3500" b="0" i="1" smtClean="0">
+                          <a:latin typeface="Cambria Math" panose="02040503050406030204" pitchFamily="18" charset="0"/>
+                        </a:rPr>
+                        <m:t>=3, </m:t>
+                      </m:r>
+                      <m:sSub>
+                        <m:sSubPr>
+                          <m:ctrlPr>
+                            <a:rPr lang="en-US" sz="3500" b="0" i="1" smtClean="0">
+                              <a:latin typeface="Cambria Math" panose="02040503050406030204" pitchFamily="18" charset="0"/>
+                            </a:rPr>
+                          </m:ctrlPr>
+                        </m:sSubPr>
+                        <m:e>
+                          <m:r>
+                            <a:rPr lang="en-US" sz="3500" b="0" i="1" smtClean="0">
+                              <a:latin typeface="Cambria Math" panose="02040503050406030204" pitchFamily="18" charset="0"/>
+                            </a:rPr>
+                            <m:t>𝑛</m:t>
+                          </m:r>
+                        </m:e>
+                        <m:sub>
+                          <m:r>
+                            <a:rPr lang="en-US" sz="3500" b="0" i="1" smtClean="0">
+                              <a:latin typeface="Cambria Math" panose="02040503050406030204" pitchFamily="18" charset="0"/>
+                            </a:rPr>
+                            <m:t>𝑛𝑒𝑢𝑟𝑜𝑛𝑠</m:t>
+                          </m:r>
+                        </m:sub>
+                      </m:sSub>
+                      <m:r>
+                        <a:rPr lang="en-US" sz="3500" b="0" i="1" smtClean="0">
+                          <a:latin typeface="Cambria Math" panose="02040503050406030204" pitchFamily="18" charset="0"/>
+                        </a:rPr>
+                        <m:t>=34</m:t>
+                      </m:r>
+                    </m:oMath>
+                  </m:oMathPara>
+                </a14:m>
+                <a:endParaRPr lang="en-US" sz="3500" dirty="0"/>
+              </a:p>
+              <a:p>
+                <a:pPr/>
+                <a14:m>
+                  <m:oMathPara xmlns:m="http://schemas.openxmlformats.org/officeDocument/2006/math">
+                    <m:oMathParaPr>
+                      <m:jc m:val="left"/>
+                    </m:oMathParaPr>
+                    <m:oMath xmlns:m="http://schemas.openxmlformats.org/officeDocument/2006/math">
+                      <m:r>
+                        <a:rPr lang="en-US" sz="3500" b="0" i="1" smtClean="0">
+                          <a:latin typeface="Cambria Math" panose="02040503050406030204" pitchFamily="18" charset="0"/>
+                        </a:rPr>
+                        <m:t>𝑙𝑟</m:t>
+                      </m:r>
+                      <m:r>
+                        <a:rPr lang="en-US" sz="3500" b="0" i="1" smtClean="0">
+                          <a:latin typeface="Cambria Math" panose="02040503050406030204" pitchFamily="18" charset="0"/>
+                        </a:rPr>
+                        <m:t>=0.01, </m:t>
+                      </m:r>
+                      <m:r>
+                        <a:rPr lang="en-US" sz="3500" b="0" i="1" smtClean="0">
+                          <a:latin typeface="Cambria Math" panose="02040503050406030204" pitchFamily="18" charset="0"/>
+                        </a:rPr>
+                        <m:t>𝑎𝑐𝑡</m:t>
+                      </m:r>
+                      <m:r>
+                        <a:rPr lang="en-US" sz="3500" b="0" i="1" smtClean="0">
+                          <a:latin typeface="Cambria Math" panose="02040503050406030204" pitchFamily="18" charset="0"/>
+                        </a:rPr>
+                        <m:t>=</m:t>
+                      </m:r>
+                      <m:r>
+                        <a:rPr lang="en-US" sz="3500" b="0" i="1" smtClean="0">
+                          <a:latin typeface="Cambria Math" panose="02040503050406030204" pitchFamily="18" charset="0"/>
+                        </a:rPr>
+                        <m:t>𝑡𝑎𝑛h</m:t>
+                      </m:r>
+                    </m:oMath>
+                  </m:oMathPara>
+                </a14:m>
+                <a:endParaRPr lang="en-US" sz="3500" b="0" dirty="0"/>
+              </a:p>
+              <a:p>
+                <a:pPr/>
+                <a14:m>
+                  <m:oMathPara xmlns:m="http://schemas.openxmlformats.org/officeDocument/2006/math">
+                    <m:oMathParaPr>
+                      <m:jc m:val="left"/>
+                    </m:oMathParaPr>
+                    <m:oMath xmlns:m="http://schemas.openxmlformats.org/officeDocument/2006/math">
+                      <m:r>
+                        <a:rPr lang="en-US" sz="3500" b="0" i="1" smtClean="0">
+                          <a:latin typeface="Cambria Math" panose="02040503050406030204" pitchFamily="18" charset="0"/>
+                        </a:rPr>
+                        <m:t>𝑜𝑝𝑡</m:t>
+                      </m:r>
+                      <m:r>
+                        <a:rPr lang="en-US" sz="3500" b="0" i="1" smtClean="0">
+                          <a:latin typeface="Cambria Math" panose="02040503050406030204" pitchFamily="18" charset="0"/>
+                        </a:rPr>
+                        <m:t>=</m:t>
+                      </m:r>
+                      <m:r>
+                        <a:rPr lang="en-US" sz="3500" b="0" i="1" smtClean="0">
+                          <a:latin typeface="Cambria Math" panose="02040503050406030204" pitchFamily="18" charset="0"/>
+                        </a:rPr>
+                        <m:t>𝑎𝑑𝑎𝑚</m:t>
+                      </m:r>
+                      <m:r>
+                        <a:rPr lang="en-US" sz="3500" b="0" i="1" smtClean="0">
+                          <a:latin typeface="Cambria Math" panose="02040503050406030204" pitchFamily="18" charset="0"/>
+                        </a:rPr>
+                        <m:t>, </m:t>
+                      </m:r>
+                    </m:oMath>
+                  </m:oMathPara>
+                </a14:m>
+                <a:endParaRPr lang="en-US" sz="3500" b="0" i="1" dirty="0">
+                  <a:latin typeface="Cambria Math" panose="02040503050406030204" pitchFamily="18" charset="0"/>
+                </a:endParaRPr>
+              </a:p>
+              <a:p>
+                <a:pPr/>
+                <a14:m>
+                  <m:oMathPara xmlns:m="http://schemas.openxmlformats.org/officeDocument/2006/math">
+                    <m:oMathParaPr>
+                      <m:jc m:val="left"/>
+                    </m:oMathParaPr>
+                    <m:oMath xmlns:m="http://schemas.openxmlformats.org/officeDocument/2006/math">
+                      <m:r>
+                        <a:rPr lang="en-US" sz="3500" b="0" i="1" smtClean="0">
+                          <a:latin typeface="Cambria Math" panose="02040503050406030204" pitchFamily="18" charset="0"/>
+                        </a:rPr>
+                        <m:t>𝑖𝑛𝑖𝑡</m:t>
+                      </m:r>
+                      <m:r>
+                        <a:rPr lang="en-US" sz="3500" b="0" i="1" smtClean="0">
+                          <a:latin typeface="Cambria Math" panose="02040503050406030204" pitchFamily="18" charset="0"/>
+                        </a:rPr>
+                        <m:t>=</m:t>
+                      </m:r>
+                      <m:r>
+                        <a:rPr lang="en-US" sz="3500" b="0" i="1" smtClean="0">
+                          <a:latin typeface="Cambria Math" panose="02040503050406030204" pitchFamily="18" charset="0"/>
+                        </a:rPr>
+                        <m:t>𝐺𝑙𝑜𝑟𝑜𝑡</m:t>
+                      </m:r>
+                      <m:r>
+                        <a:rPr lang="en-US" sz="3500" b="0" i="1" smtClean="0">
+                          <a:latin typeface="Cambria Math" panose="02040503050406030204" pitchFamily="18" charset="0"/>
+                        </a:rPr>
+                        <m:t> </m:t>
+                      </m:r>
+                      <m:r>
+                        <a:rPr lang="en-US" sz="3500" b="0" i="1" smtClean="0">
+                          <a:latin typeface="Cambria Math" panose="02040503050406030204" pitchFamily="18" charset="0"/>
+                        </a:rPr>
+                        <m:t>𝑢𝑛𝑖𝑓𝑜𝑟𝑚</m:t>
+                      </m:r>
+                    </m:oMath>
+                  </m:oMathPara>
+                </a14:m>
+                <a:endParaRPr lang="en-US" sz="3500" dirty="0"/>
+              </a:p>
+            </p:txBody>
+          </p:sp>
+        </mc:Choice>
+        <mc:Fallback>
+          <p:sp>
+            <p:nvSpPr>
+              <p:cNvPr id="73" name="Tekstfelt 72">
+                <a:extLst>
+                  <a:ext uri="{FF2B5EF4-FFF2-40B4-BE49-F238E27FC236}">
+                    <a16:creationId xmlns:a16="http://schemas.microsoft.com/office/drawing/2014/main" id="{9C9EC7BE-4817-4AED-A0E6-041CCFB999AE}"/>
+                  </a:ext>
+                </a:extLst>
+              </p:cNvPr>
+              <p:cNvSpPr txBox="1">
+                <a:spLocks noRot="1" noChangeAspect="1" noMove="1" noResize="1" noEditPoints="1" noAdjustHandles="1" noChangeArrowheads="1" noChangeShapeType="1" noTextEdit="1"/>
+              </p:cNvSpPr>
+              <p:nvPr/>
+            </p:nvSpPr>
+            <p:spPr>
+              <a:xfrm>
+                <a:off x="15823183" y="10879475"/>
+                <a:ext cx="5581500" cy="6585842"/>
+              </a:xfrm>
+              <a:prstGeom prst="rect">
+                <a:avLst/>
+              </a:prstGeom>
+              <a:blipFill>
+                <a:blip r:embed="rId5"/>
+                <a:stretch>
+                  <a:fillRect l="-3279" t="-1481" r="-5355"/>
+                </a:stretch>
+              </a:blipFill>
+            </p:spPr>
+            <p:txBody>
+              <a:bodyPr/>
+              <a:lstStyle/>
+              <a:p>
+                <a:r>
+                  <a:rPr lang="da-DK">
+                    <a:noFill/>
+                  </a:rPr>
+                  <a:t> </a:t>
+                </a:r>
+              </a:p>
+            </p:txBody>
+          </p:sp>
+        </mc:Fallback>
+      </mc:AlternateContent>
       <p:sp>
         <p:nvSpPr>
           <p:cNvPr id="75" name="Rektangel 74">
@@ -4760,7 +5037,7 @@
             </a:r>
             <a:r>
               <a:rPr lang="en-US" sz="3500" dirty="0"/>
-              <a:t>combine traditional neural networks with underlying physics knowledge described</a:t>
+              <a:t>combine feed-forward neural networks with underlying physics knowledge described</a:t>
             </a:r>
             <a:r>
               <a:rPr lang="da-DK" sz="3500" dirty="0"/>
@@ -4792,7 +5069,7 @@
             </a:r>
             <a:r>
               <a:rPr lang="en-US" sz="3500" dirty="0"/>
-              <a:t>differential equations (ODE) to enhance the effectiveness of the network. To solve equations of the form</a:t>
+              <a:t>differential equations (ODE) to enhance the effectiveness of the network. Three principles are used to solve equations of the form</a:t>
             </a:r>
           </a:p>
         </p:txBody>
@@ -4953,7 +5230,7 @@
         <p:spPr>
           <a:xfrm>
             <a:off x="15863937" y="18941469"/>
-            <a:ext cx="12907541" cy="2246769"/>
+            <a:ext cx="12907541" cy="630942"/>
           </a:xfrm>
           <a:prstGeom prst="rect">
             <a:avLst/>
@@ -4968,21 +5245,7 @@
           <a:p>
             <a:r>
               <a:rPr lang="en-US" sz="3500" dirty="0"/>
-              <a:t>Initial condition had profound effect on the results. However, even bad initial conditions gave useful results.</a:t>
-            </a:r>
-          </a:p>
-          <a:p>
-            <a:r>
-              <a:rPr lang="en-US" sz="3500" dirty="0"/>
-              <a:t>From left to right: Initial snake (blue) / final snake (magenta), Initial probability map, and final probability map (red = p</a:t>
-            </a:r>
-            <a:r>
-              <a:rPr lang="en-US" sz="2000" dirty="0"/>
-              <a:t>in</a:t>
-            </a:r>
-            <a:r>
-              <a:rPr lang="en-US" sz="3500" dirty="0"/>
-              <a:t>). </a:t>
+              <a:t>Text</a:t>
             </a:r>
             <a:endParaRPr lang="da-DK" sz="3500" dirty="0"/>
           </a:p>
@@ -5505,8 +5768,8 @@
           </a:p>
         </p:txBody>
       </p:sp>
-      <mc:AlternateContent xmlns:mc="http://schemas.openxmlformats.org/markup-compatibility/2006" xmlns:a14="http://schemas.microsoft.com/office/drawing/2010/main">
-        <mc:Choice Requires="a14">
+      <mc:AlternateContent xmlns:mc="http://schemas.openxmlformats.org/markup-compatibility/2006">
+        <mc:Choice xmlns:a14="http://schemas.microsoft.com/office/drawing/2010/main" Requires="a14">
           <p:sp>
             <p:nvSpPr>
               <p:cNvPr id="9" name="Tekstfelt 10">
@@ -5521,8 +5784,8 @@
             </p:nvSpPr>
             <p:spPr>
               <a:xfrm>
-                <a:off x="570044" y="33006343"/>
-                <a:ext cx="6480720" cy="7709803"/>
+                <a:off x="562644" y="33009845"/>
+                <a:ext cx="6480720" cy="7171194"/>
               </a:xfrm>
               <a:prstGeom prst="rect">
                 <a:avLst/>
@@ -5543,26 +5806,65 @@
               <a:p>
                 <a:r>
                   <a:rPr lang="en-US" sz="3500" dirty="0"/>
-                  <a:t>Feed-forward neural networks perform poorly in extrapolation</a:t>
+                  <a:t>Using the PINN, the SIRD parameters are estimated, and the development of the epidemic modelled using the ODE</a:t>
                 </a:r>
               </a:p>
               <a:p>
                 <a:endParaRPr lang="en-US" sz="3500" dirty="0"/>
               </a:p>
               <a:p>
+                <a:pPr marL="514350" indent="-514350">
+                  <a:buFont typeface="+mj-lt"/>
+                  <a:buAutoNum type="arabicPeriod"/>
+                </a:pPr>
                 <a:r>
                   <a:rPr lang="en-US" sz="3500" dirty="0"/>
-                  <a:t>The goal of the PINN is to use the train data to estimate the parameters </a:t>
+                  <a:t>Estimate parameters by minimizing loss on train data </a:t>
                 </a:r>
+                <a:r>
+                  <a:rPr lang="en-US" sz="3500" dirty="0" err="1"/>
+                  <a:t>wrt</a:t>
+                </a:r>
+                <a:r>
+                  <a:rPr lang="en-US" sz="3500" dirty="0"/>
+                  <a:t>. to</a:t>
+                </a:r>
+                <a:endParaRPr lang="en-US" sz="3500" b="1" i="0" dirty="0">
+                  <a:latin typeface="Cambria Math" panose="02040503050406030204" pitchFamily="18" charset="0"/>
+                </a:endParaRPr>
               </a:p>
               <a:p>
-                <a:pPr/>
+                <a:pPr lvl="1"/>
                 <a14:m>
                   <m:oMathPara xmlns:m="http://schemas.openxmlformats.org/officeDocument/2006/math">
                     <m:oMathParaPr>
                       <m:jc m:val="centerGroup"/>
                     </m:oMathParaPr>
                     <m:oMath xmlns:m="http://schemas.openxmlformats.org/officeDocument/2006/math">
+                      <m:r>
+                        <a:rPr lang="en-US" sz="3500" b="1" i="0" smtClean="0">
+                          <a:latin typeface="Cambria Math" panose="02040503050406030204" pitchFamily="18" charset="0"/>
+                        </a:rPr>
+                        <m:t>𝐖</m:t>
+                      </m:r>
+                      <m:r>
+                        <a:rPr lang="en-US" sz="3500" b="0" i="1" smtClean="0">
+                          <a:latin typeface="Cambria Math" panose="02040503050406030204" pitchFamily="18" charset="0"/>
+                        </a:rPr>
+                        <m:t>, </m:t>
+                      </m:r>
+                      <m:r>
+                        <a:rPr lang="en-US" sz="3500" b="1" i="0" smtClean="0">
+                          <a:latin typeface="Cambria Math" panose="02040503050406030204" pitchFamily="18" charset="0"/>
+                        </a:rPr>
+                        <m:t>𝐛</m:t>
+                      </m:r>
+                      <m:r>
+                        <a:rPr lang="en-US" sz="3500" b="0" i="1" smtClean="0">
+                          <a:latin typeface="Cambria Math" panose="02040503050406030204" pitchFamily="18" charset="0"/>
+                        </a:rPr>
+                        <m:t>, </m:t>
+                      </m:r>
                       <m:r>
                         <a:rPr lang="en-US" sz="3500" b="0" i="1" smtClean="0">
                           <a:latin typeface="Cambria Math" panose="02040503050406030204" pitchFamily="18" charset="0"/>
@@ -5585,7 +5887,7 @@
                         <a:rPr lang="en-US" sz="3500" b="0" i="1" smtClean="0">
                           <a:latin typeface="Cambria Math" panose="02040503050406030204" pitchFamily="18" charset="0"/>
                         </a:rPr>
-                        <m:t>,</m:t>
+                        <m:t>, </m:t>
                       </m:r>
                       <m:r>
                         <a:rPr lang="en-US" sz="3500" b="0" i="1" smtClean="0">
@@ -5599,18 +5901,54 @@
                 <a:endParaRPr lang="en-US" sz="3500" dirty="0"/>
               </a:p>
               <a:p>
-                <a:endParaRPr lang="en-US" sz="3500" dirty="0"/>
-              </a:p>
-              <a:p>
+                <a:pPr marL="514350" indent="-514350">
+                  <a:buFont typeface="+mj-lt"/>
+                  <a:buAutoNum type="arabicPeriod"/>
+                </a:pPr>
                 <a:r>
                   <a:rPr lang="en-US" sz="3500" dirty="0"/>
-                  <a:t>Once the parameters are known, the future epidemic development can be predicted by solving the ODE with the parameters</a:t>
+                  <a:t>Solve ODE for whole period with estimated </a:t>
                 </a:r>
+                <a14:m>
+                  <m:oMath xmlns:m="http://schemas.openxmlformats.org/officeDocument/2006/math">
+                    <m:r>
+                      <a:rPr lang="en-US" sz="3500" b="0" i="1" smtClean="0">
+                        <a:latin typeface="Cambria Math" panose="02040503050406030204" pitchFamily="18" charset="0"/>
+                      </a:rPr>
+                      <m:t>𝛼</m:t>
+                    </m:r>
+                    <m:r>
+                      <a:rPr lang="en-US" sz="3500" b="0" i="1" smtClean="0">
+                        <a:latin typeface="Cambria Math" panose="02040503050406030204" pitchFamily="18" charset="0"/>
+                      </a:rPr>
+                      <m:t>, </m:t>
+                    </m:r>
+                    <m:r>
+                      <a:rPr lang="en-US" sz="3500" b="0" i="1" smtClean="0">
+                        <a:latin typeface="Cambria Math" panose="02040503050406030204" pitchFamily="18" charset="0"/>
+                      </a:rPr>
+                      <m:t>𝛽</m:t>
+                    </m:r>
+                    <m:r>
+                      <a:rPr lang="en-US" sz="3500" b="0" i="1" smtClean="0">
+                        <a:latin typeface="Cambria Math" panose="02040503050406030204" pitchFamily="18" charset="0"/>
+                      </a:rPr>
+                      <m:t>,</m:t>
+                    </m:r>
+                    <m:r>
+                      <a:rPr lang="en-US" sz="3500" b="0" i="1" smtClean="0">
+                        <a:latin typeface="Cambria Math" panose="02040503050406030204" pitchFamily="18" charset="0"/>
+                      </a:rPr>
+                      <m:t>𝛾</m:t>
+                    </m:r>
+                  </m:oMath>
+                </a14:m>
+                <a:endParaRPr lang="en-US" sz="3500" dirty="0"/>
               </a:p>
             </p:txBody>
           </p:sp>
         </mc:Choice>
-        <mc:Fallback xmlns="">
+        <mc:Fallback>
           <p:sp>
             <p:nvSpPr>
               <p:cNvPr id="9" name="Tekstfelt 10">
@@ -5627,8 +5965,8 @@
             </p:nvSpPr>
             <p:spPr>
               <a:xfrm>
-                <a:off x="570044" y="33006343"/>
-                <a:ext cx="6480720" cy="7709803"/>
+                <a:off x="562644" y="33009845"/>
+                <a:ext cx="6480720" cy="7171194"/>
               </a:xfrm>
               <a:prstGeom prst="rect">
                 <a:avLst/>
@@ -5636,7 +5974,7 @@
               <a:blipFill>
                 <a:blip r:embed="rId18"/>
                 <a:stretch>
-                  <a:fillRect l="-3387" t="-1423" b="-1897"/>
+                  <a:fillRect l="-3293" t="-1531" r="-2070" b="-2126"/>
                 </a:stretch>
               </a:blipFill>
             </p:spPr>
@@ -5655,8 +5993,8 @@
           </p:sp>
         </mc:Fallback>
       </mc:AlternateContent>
-      <mc:AlternateContent xmlns:mc="http://schemas.openxmlformats.org/markup-compatibility/2006">
-        <mc:Choice xmlns:a14="http://schemas.microsoft.com/office/drawing/2010/main" Requires="a14">
+      <mc:AlternateContent xmlns:mc="http://schemas.openxmlformats.org/markup-compatibility/2006" xmlns:a14="http://schemas.microsoft.com/office/drawing/2010/main">
+        <mc:Choice Requires="a14">
           <p:sp>
             <p:nvSpPr>
               <p:cNvPr id="19" name="Tekstfelt 10">
@@ -5672,7 +6010,7 @@
             <p:spPr>
               <a:xfrm>
                 <a:off x="8597843" y="24432743"/>
-                <a:ext cx="5678048" cy="7709803"/>
+                <a:ext cx="5678048" cy="7171194"/>
               </a:xfrm>
               <a:prstGeom prst="rect">
                 <a:avLst/>
@@ -5833,9 +6171,12 @@
                 <a:endParaRPr lang="en-US" sz="3500" dirty="0"/>
               </a:p>
               <a:p>
+                <a:endParaRPr lang="en-US" sz="3500" dirty="0"/>
+              </a:p>
+              <a:p>
                 <a:r>
                   <a:rPr lang="en-US" sz="3500" dirty="0"/>
-                  <a:t>To simulate prediction during a disease, the model is trained on data from before a given time, </a:t>
+                  <a:t>The model is trained on data from before a given time, </a:t>
                 </a:r>
                 <a:r>
                   <a:rPr lang="en-US" sz="3500" i="1" dirty="0" err="1"/>
@@ -5854,7 +6195,7 @@
             </p:txBody>
           </p:sp>
         </mc:Choice>
-        <mc:Fallback>
+        <mc:Fallback xmlns="">
           <p:sp>
             <p:nvSpPr>
               <p:cNvPr id="19" name="Tekstfelt 10">
@@ -5872,7 +6213,7 @@
             <p:spPr>
               <a:xfrm>
                 <a:off x="8597843" y="24432743"/>
-                <a:ext cx="5678048" cy="7709803"/>
+                <a:ext cx="5678048" cy="7171194"/>
               </a:xfrm>
               <a:prstGeom prst="rect">
                 <a:avLst/>
@@ -5880,7 +6221,7 @@
               <a:blipFill>
                 <a:blip r:embed="rId19"/>
                 <a:stretch>
-                  <a:fillRect l="-3755" t="-1423" r="-4828" b="-1897"/>
+                  <a:fillRect l="-3755" t="-1531" r="-3970" b="-2126"/>
                 </a:stretch>
               </a:blipFill>
             </p:spPr>
@@ -5889,7 +6230,7 @@
               <a:lstStyle/>
               <a:p>
                 <a:r>
-                  <a:rPr lang="en-US">
+                  <a:rPr lang="da-DK">
                     <a:noFill/>
                   </a:rPr>
                   <a:t> </a:t>
@@ -5998,10 +6339,10 @@
                         <m:t>=</m:t>
                       </m:r>
                       <m:r>
-                        <a:rPr lang="da-DK" sz="3500" b="0" i="1" smtClean="0">
+                        <a:rPr lang="en-US" sz="3500" b="0" i="1" smtClean="0">
                           <a:latin typeface="Cambria Math" panose="02040503050406030204" pitchFamily="18" charset="0"/>
                         </a:rPr>
-                        <m:t>𝜅</m:t>
+                        <m:t>𝛼</m:t>
                       </m:r>
                       <m:r>
                         <a:rPr lang="da-DK" sz="3500" b="0" i="1" smtClean="0">
@@ -6607,7 +6948,7 @@
               <a:p>
                 <a:r>
                   <a:rPr lang="en-US" sz="3500" dirty="0"/>
-                  <a:t>3. The loss term</a:t>
+                  <a:t>3. Loss term</a:t>
                 </a:r>
                 <a:r>
                   <a:rPr lang="en-US" sz="3500" baseline="30000" dirty="0"/>
@@ -8370,42 +8711,6 @@
       </p:pic>
       <p:pic>
         <p:nvPicPr>
-          <p:cNvPr id="18" name="Picture 17" descr="Chart, line chart&#10;&#10;Description automatically generated">
-            <a:extLst>
-              <a:ext uri="{FF2B5EF4-FFF2-40B4-BE49-F238E27FC236}">
-                <a16:creationId xmlns:a16="http://schemas.microsoft.com/office/drawing/2014/main" id="{B3CFCC76-3912-34D8-AFAA-81E24D18C4B0}"/>
-              </a:ext>
-            </a:extLst>
-          </p:cNvPr>
-          <p:cNvPicPr>
-            <a:picLocks noChangeAspect="1"/>
-          </p:cNvPicPr>
-          <p:nvPr/>
-        </p:nvPicPr>
-        <p:blipFill>
-          <a:blip r:embed="rId29">
-            <a:extLst>
-              <a:ext uri="{28A0092B-C50C-407E-A947-70E740481C1C}">
-                <a14:useLocalDpi xmlns:a14="http://schemas.microsoft.com/office/drawing/2010/main" val="0"/>
-              </a:ext>
-            </a:extLst>
-          </a:blip>
-          <a:stretch>
-            <a:fillRect/>
-          </a:stretch>
-        </p:blipFill>
-        <p:spPr>
-          <a:xfrm>
-            <a:off x="7142990" y="32510566"/>
-            <a:ext cx="8484770" cy="8701356"/>
-          </a:xfrm>
-          <a:prstGeom prst="rect">
-            <a:avLst/>
-          </a:prstGeom>
-        </p:spPr>
-      </p:pic>
-      <p:pic>
-        <p:nvPicPr>
           <p:cNvPr id="27" name="Picture 26" descr="Chart&#10;&#10;Description automatically generated">
             <a:extLst>
               <a:ext uri="{FF2B5EF4-FFF2-40B4-BE49-F238E27FC236}">
@@ -8419,7 +8724,7 @@
           <p:nvPr/>
         </p:nvPicPr>
         <p:blipFill>
-          <a:blip r:embed="rId30">
+          <a:blip r:embed="rId29">
             <a:extLst>
               <a:ext uri="{28A0092B-C50C-407E-A947-70E740481C1C}">
                 <a14:useLocalDpi xmlns:a14="http://schemas.microsoft.com/office/drawing/2010/main" val="0"/>
@@ -8455,7 +8760,7 @@
           <p:nvPr/>
         </p:nvPicPr>
         <p:blipFill>
-          <a:blip r:embed="rId31">
+          <a:blip r:embed="rId30">
             <a:extLst>
               <a:ext uri="{28A0092B-C50C-407E-A947-70E740481C1C}">
                 <a14:useLocalDpi xmlns:a14="http://schemas.microsoft.com/office/drawing/2010/main" val="0"/>
@@ -8470,6 +8775,42 @@
           <a:xfrm>
             <a:off x="16115885" y="31965009"/>
             <a:ext cx="12403643" cy="4560933"/>
+          </a:xfrm>
+          <a:prstGeom prst="rect">
+            <a:avLst/>
+          </a:prstGeom>
+        </p:spPr>
+      </p:pic>
+      <p:pic>
+        <p:nvPicPr>
+          <p:cNvPr id="14" name="Billede 13">
+            <a:extLst>
+              <a:ext uri="{FF2B5EF4-FFF2-40B4-BE49-F238E27FC236}">
+                <a16:creationId xmlns:a16="http://schemas.microsoft.com/office/drawing/2014/main" id="{B8825F77-71B3-53A3-773C-FC379034AB36}"/>
+              </a:ext>
+            </a:extLst>
+          </p:cNvPr>
+          <p:cNvPicPr>
+            <a:picLocks noChangeAspect="1"/>
+          </p:cNvPicPr>
+          <p:nvPr/>
+        </p:nvPicPr>
+        <p:blipFill>
+          <a:blip r:embed="rId31">
+            <a:extLst>
+              <a:ext uri="{28A0092B-C50C-407E-A947-70E740481C1C}">
+                <a14:useLocalDpi xmlns:a14="http://schemas.microsoft.com/office/drawing/2010/main" val="0"/>
+              </a:ext>
+            </a:extLst>
+          </a:blip>
+          <a:stretch>
+            <a:fillRect/>
+          </a:stretch>
+        </p:blipFill>
+        <p:spPr>
+          <a:xfrm>
+            <a:off x="7027928" y="32536765"/>
+            <a:ext cx="8453899" cy="8669697"/>
           </a:xfrm>
           <a:prstGeom prst="rect">
             <a:avLst/>

--- a/poster.pptx
+++ b/poster.pptx
@@ -237,14 +237,14 @@
           <a:effectLst/>
           <a:extLst>
             <a:ext uri="{909E8E84-426E-40dd-AFC4-6F175D3DCCD1}">
-              <a14:hiddenFill xmlns="" xmlns:a14="http://schemas.microsoft.com/office/drawing/2010/main">
+              <a14:hiddenFill xmlns:a14="http://schemas.microsoft.com/office/drawing/2010/main" xmlns="">
                 <a:solidFill>
                   <a:schemeClr val="accent1"/>
                 </a:solidFill>
               </a14:hiddenFill>
             </a:ext>
             <a:ext uri="{91240B29-F687-4f45-9708-019B960494DF}">
-              <a14:hiddenLine xmlns="" xmlns:a14="http://schemas.microsoft.com/office/drawing/2010/main" w="9525">
+              <a14:hiddenLine xmlns:a14="http://schemas.microsoft.com/office/drawing/2010/main" xmlns="" w="9525">
                 <a:solidFill>
                   <a:schemeClr val="tx1"/>
                 </a:solidFill>
@@ -254,7 +254,7 @@
               </a14:hiddenLine>
             </a:ext>
             <a:ext uri="{AF507438-7753-43e0-B8FC-AC1667EBCBE1}">
-              <a14:hiddenEffects xmlns="" xmlns:a14="http://schemas.microsoft.com/office/drawing/2010/main">
+              <a14:hiddenEffects xmlns:a14="http://schemas.microsoft.com/office/drawing/2010/main" xmlns="">
                 <a:effectLst>
                   <a:outerShdw dist="35921" dir="2700000" algn="ctr" rotWithShape="0">
                     <a:schemeClr val="bg2"/>
@@ -305,14 +305,14 @@
           <a:effectLst/>
           <a:extLst>
             <a:ext uri="{909E8E84-426E-40dd-AFC4-6F175D3DCCD1}">
-              <a14:hiddenFill xmlns="" xmlns:a14="http://schemas.microsoft.com/office/drawing/2010/main">
+              <a14:hiddenFill xmlns:a14="http://schemas.microsoft.com/office/drawing/2010/main" xmlns="">
                 <a:solidFill>
                   <a:schemeClr val="accent1"/>
                 </a:solidFill>
               </a14:hiddenFill>
             </a:ext>
             <a:ext uri="{91240B29-F687-4f45-9708-019B960494DF}">
-              <a14:hiddenLine xmlns="" xmlns:a14="http://schemas.microsoft.com/office/drawing/2010/main" w="9525">
+              <a14:hiddenLine xmlns:a14="http://schemas.microsoft.com/office/drawing/2010/main" xmlns="" w="9525">
                 <a:solidFill>
                   <a:schemeClr val="tx1"/>
                 </a:solidFill>
@@ -322,7 +322,7 @@
               </a14:hiddenLine>
             </a:ext>
             <a:ext uri="{AF507438-7753-43e0-B8FC-AC1667EBCBE1}">
-              <a14:hiddenEffects xmlns="" xmlns:a14="http://schemas.microsoft.com/office/drawing/2010/main">
+              <a14:hiddenEffects xmlns:a14="http://schemas.microsoft.com/office/drawing/2010/main" xmlns="">
                 <a:effectLst>
                   <a:outerShdw dist="35921" dir="2700000" algn="ctr" rotWithShape="0">
                     <a:schemeClr val="bg2"/>
@@ -373,14 +373,14 @@
           <a:effectLst/>
           <a:extLst>
             <a:ext uri="{909E8E84-426E-40dd-AFC4-6F175D3DCCD1}">
-              <a14:hiddenFill xmlns="" xmlns:a14="http://schemas.microsoft.com/office/drawing/2010/main">
+              <a14:hiddenFill xmlns:a14="http://schemas.microsoft.com/office/drawing/2010/main" xmlns="">
                 <a:solidFill>
                   <a:schemeClr val="accent1"/>
                 </a:solidFill>
               </a14:hiddenFill>
             </a:ext>
             <a:ext uri="{91240B29-F687-4f45-9708-019B960494DF}">
-              <a14:hiddenLine xmlns="" xmlns:a14="http://schemas.microsoft.com/office/drawing/2010/main" w="9525">
+              <a14:hiddenLine xmlns:a14="http://schemas.microsoft.com/office/drawing/2010/main" xmlns="" w="9525">
                 <a:solidFill>
                   <a:schemeClr val="tx1"/>
                 </a:solidFill>
@@ -390,7 +390,7 @@
               </a14:hiddenLine>
             </a:ext>
             <a:ext uri="{AF507438-7753-43e0-B8FC-AC1667EBCBE1}">
-              <a14:hiddenEffects xmlns="" xmlns:a14="http://schemas.microsoft.com/office/drawing/2010/main">
+              <a14:hiddenEffects xmlns:a14="http://schemas.microsoft.com/office/drawing/2010/main" xmlns="">
                 <a:effectLst>
                   <a:outerShdw dist="35921" dir="2700000" algn="ctr" rotWithShape="0">
                     <a:schemeClr val="bg2"/>
@@ -441,14 +441,14 @@
           <a:effectLst/>
           <a:extLst>
             <a:ext uri="{909E8E84-426E-40dd-AFC4-6F175D3DCCD1}">
-              <a14:hiddenFill xmlns="" xmlns:a14="http://schemas.microsoft.com/office/drawing/2010/main">
+              <a14:hiddenFill xmlns:a14="http://schemas.microsoft.com/office/drawing/2010/main" xmlns="">
                 <a:solidFill>
                   <a:schemeClr val="accent1"/>
                 </a:solidFill>
               </a14:hiddenFill>
             </a:ext>
             <a:ext uri="{91240B29-F687-4f45-9708-019B960494DF}">
-              <a14:hiddenLine xmlns="" xmlns:a14="http://schemas.microsoft.com/office/drawing/2010/main" w="9525">
+              <a14:hiddenLine xmlns:a14="http://schemas.microsoft.com/office/drawing/2010/main" xmlns="" w="9525">
                 <a:solidFill>
                   <a:schemeClr val="tx1"/>
                 </a:solidFill>
@@ -458,7 +458,7 @@
               </a14:hiddenLine>
             </a:ext>
             <a:ext uri="{AF507438-7753-43e0-B8FC-AC1667EBCBE1}">
-              <a14:hiddenEffects xmlns="" xmlns:a14="http://schemas.microsoft.com/office/drawing/2010/main">
+              <a14:hiddenEffects xmlns:a14="http://schemas.microsoft.com/office/drawing/2010/main" xmlns="">
                 <a:effectLst>
                   <a:outerShdw dist="35921" dir="2700000" algn="ctr" rotWithShape="0">
                     <a:schemeClr val="bg2"/>
@@ -550,14 +550,14 @@
           <a:effectLst/>
           <a:extLst>
             <a:ext uri="{909E8E84-426E-40dd-AFC4-6F175D3DCCD1}">
-              <a14:hiddenFill xmlns="" xmlns:a14="http://schemas.microsoft.com/office/drawing/2010/main">
+              <a14:hiddenFill xmlns:a14="http://schemas.microsoft.com/office/drawing/2010/main" xmlns="">
                 <a:solidFill>
                   <a:schemeClr val="accent1"/>
                 </a:solidFill>
               </a14:hiddenFill>
             </a:ext>
             <a:ext uri="{91240B29-F687-4f45-9708-019B960494DF}">
-              <a14:hiddenLine xmlns="" xmlns:a14="http://schemas.microsoft.com/office/drawing/2010/main" w="9525">
+              <a14:hiddenLine xmlns:a14="http://schemas.microsoft.com/office/drawing/2010/main" xmlns="" w="9525">
                 <a:solidFill>
                   <a:schemeClr val="tx1"/>
                 </a:solidFill>
@@ -567,7 +567,7 @@
               </a14:hiddenLine>
             </a:ext>
             <a:ext uri="{AF507438-7753-43e0-B8FC-AC1667EBCBE1}">
-              <a14:hiddenEffects xmlns="" xmlns:a14="http://schemas.microsoft.com/office/drawing/2010/main">
+              <a14:hiddenEffects xmlns:a14="http://schemas.microsoft.com/office/drawing/2010/main" xmlns="">
                 <a:effectLst>
                   <a:outerShdw dist="35921" dir="2700000" algn="ctr" rotWithShape="0">
                     <a:schemeClr val="bg2"/>
@@ -618,14 +618,14 @@
           <a:effectLst/>
           <a:extLst>
             <a:ext uri="{909E8E84-426E-40dd-AFC4-6F175D3DCCD1}">
-              <a14:hiddenFill xmlns="" xmlns:a14="http://schemas.microsoft.com/office/drawing/2010/main">
+              <a14:hiddenFill xmlns:a14="http://schemas.microsoft.com/office/drawing/2010/main" xmlns="">
                 <a:solidFill>
                   <a:schemeClr val="accent1"/>
                 </a:solidFill>
               </a14:hiddenFill>
             </a:ext>
             <a:ext uri="{91240B29-F687-4f45-9708-019B960494DF}">
-              <a14:hiddenLine xmlns="" xmlns:a14="http://schemas.microsoft.com/office/drawing/2010/main" w="9525">
+              <a14:hiddenLine xmlns:a14="http://schemas.microsoft.com/office/drawing/2010/main" xmlns="" w="9525">
                 <a:solidFill>
                   <a:schemeClr val="tx1"/>
                 </a:solidFill>
@@ -635,7 +635,7 @@
               </a14:hiddenLine>
             </a:ext>
             <a:ext uri="{AF507438-7753-43e0-B8FC-AC1667EBCBE1}">
-              <a14:hiddenEffects xmlns="" xmlns:a14="http://schemas.microsoft.com/office/drawing/2010/main">
+              <a14:hiddenEffects xmlns:a14="http://schemas.microsoft.com/office/drawing/2010/main" xmlns="">
                 <a:effectLst>
                   <a:outerShdw dist="35921" dir="2700000" algn="ctr" rotWithShape="0">
                     <a:schemeClr val="bg2"/>
@@ -691,7 +691,7 @@
           <a:effectLst/>
           <a:extLst>
             <a:ext uri="{AF507438-7753-43e0-B8FC-AC1667EBCBE1}">
-              <a14:hiddenEffects xmlns="" xmlns:a14="http://schemas.microsoft.com/office/drawing/2010/main">
+              <a14:hiddenEffects xmlns:a14="http://schemas.microsoft.com/office/drawing/2010/main" xmlns="">
                 <a:effectLst>
                   <a:outerShdw dist="35921" dir="2700000" algn="ctr" rotWithShape="0">
                     <a:srgbClr val="808080"/>
@@ -700,7 +700,7 @@
               </a14:hiddenEffects>
             </a:ext>
             <a:ext uri="{53640926-AAD7-44d8-BBD7-CCE9431645EC}">
-              <a14:shadowObscured xmlns="" xmlns:a14="http://schemas.microsoft.com/office/drawing/2010/main" val="1"/>
+              <a14:shadowObscured xmlns:a14="http://schemas.microsoft.com/office/drawing/2010/main" xmlns="" val="1"/>
             </a:ext>
           </a:extLst>
         </p:spPr>
@@ -730,14 +730,14 @@
           <a:effectLst/>
           <a:extLst>
             <a:ext uri="{909E8E84-426E-40dd-AFC4-6F175D3DCCD1}">
-              <a14:hiddenFill xmlns="" xmlns:a14="http://schemas.microsoft.com/office/drawing/2010/main">
+              <a14:hiddenFill xmlns:a14="http://schemas.microsoft.com/office/drawing/2010/main" xmlns="">
                 <a:solidFill>
                   <a:schemeClr val="accent1"/>
                 </a:solidFill>
               </a14:hiddenFill>
             </a:ext>
             <a:ext uri="{91240B29-F687-4f45-9708-019B960494DF}">
-              <a14:hiddenLine xmlns="" xmlns:a14="http://schemas.microsoft.com/office/drawing/2010/main" w="9525">
+              <a14:hiddenLine xmlns:a14="http://schemas.microsoft.com/office/drawing/2010/main" xmlns="" w="9525">
                 <a:solidFill>
                   <a:schemeClr val="tx1"/>
                 </a:solidFill>
@@ -747,7 +747,7 @@
               </a14:hiddenLine>
             </a:ext>
             <a:ext uri="{AF507438-7753-43e0-B8FC-AC1667EBCBE1}">
-              <a14:hiddenEffects xmlns="" xmlns:a14="http://schemas.microsoft.com/office/drawing/2010/main">
+              <a14:hiddenEffects xmlns:a14="http://schemas.microsoft.com/office/drawing/2010/main" xmlns="">
                 <a:effectLst>
                   <a:outerShdw dist="35921" dir="2700000" algn="ctr" rotWithShape="0">
                     <a:schemeClr val="bg2"/>
@@ -826,14 +826,14 @@
           <a:effectLst/>
           <a:extLst>
             <a:ext uri="{909E8E84-426E-40dd-AFC4-6F175D3DCCD1}">
-              <a14:hiddenFill xmlns="" xmlns:a14="http://schemas.microsoft.com/office/drawing/2010/main">
+              <a14:hiddenFill xmlns:a14="http://schemas.microsoft.com/office/drawing/2010/main" xmlns="">
                 <a:solidFill>
                   <a:schemeClr val="accent1"/>
                 </a:solidFill>
               </a14:hiddenFill>
             </a:ext>
             <a:ext uri="{91240B29-F687-4f45-9708-019B960494DF}">
-              <a14:hiddenLine xmlns="" xmlns:a14="http://schemas.microsoft.com/office/drawing/2010/main" w="9525">
+              <a14:hiddenLine xmlns:a14="http://schemas.microsoft.com/office/drawing/2010/main" xmlns="" w="9525">
                 <a:solidFill>
                   <a:schemeClr val="tx1"/>
                 </a:solidFill>
@@ -843,7 +843,7 @@
               </a14:hiddenLine>
             </a:ext>
             <a:ext uri="{AF507438-7753-43e0-B8FC-AC1667EBCBE1}">
-              <a14:hiddenEffects xmlns="" xmlns:a14="http://schemas.microsoft.com/office/drawing/2010/main">
+              <a14:hiddenEffects xmlns:a14="http://schemas.microsoft.com/office/drawing/2010/main" xmlns="">
                 <a:effectLst>
                   <a:outerShdw dist="35921" dir="2700000" algn="ctr" rotWithShape="0">
                     <a:schemeClr val="bg2"/>
@@ -894,14 +894,14 @@
           <a:effectLst/>
           <a:extLst>
             <a:ext uri="{909E8E84-426E-40dd-AFC4-6F175D3DCCD1}">
-              <a14:hiddenFill xmlns="" xmlns:a14="http://schemas.microsoft.com/office/drawing/2010/main">
+              <a14:hiddenFill xmlns:a14="http://schemas.microsoft.com/office/drawing/2010/main" xmlns="">
                 <a:solidFill>
                   <a:schemeClr val="accent1"/>
                 </a:solidFill>
               </a14:hiddenFill>
             </a:ext>
             <a:ext uri="{91240B29-F687-4f45-9708-019B960494DF}">
-              <a14:hiddenLine xmlns="" xmlns:a14="http://schemas.microsoft.com/office/drawing/2010/main" w="9525">
+              <a14:hiddenLine xmlns:a14="http://schemas.microsoft.com/office/drawing/2010/main" xmlns="" w="9525">
                 <a:solidFill>
                   <a:schemeClr val="tx1"/>
                 </a:solidFill>
@@ -911,7 +911,7 @@
               </a14:hiddenLine>
             </a:ext>
             <a:ext uri="{AF507438-7753-43e0-B8FC-AC1667EBCBE1}">
-              <a14:hiddenEffects xmlns="" xmlns:a14="http://schemas.microsoft.com/office/drawing/2010/main">
+              <a14:hiddenEffects xmlns:a14="http://schemas.microsoft.com/office/drawing/2010/main" xmlns="">
                 <a:effectLst>
                   <a:outerShdw dist="35921" dir="2700000" algn="ctr" rotWithShape="0">
                     <a:schemeClr val="bg2"/>
@@ -2864,14 +2864,14 @@
           <a:effectLst/>
           <a:extLst>
             <a:ext uri="{909E8E84-426E-40dd-AFC4-6F175D3DCCD1}">
-              <a14:hiddenFill xmlns="" xmlns:a14="http://schemas.microsoft.com/office/drawing/2010/main">
+              <a14:hiddenFill xmlns:a14="http://schemas.microsoft.com/office/drawing/2010/main" xmlns="">
                 <a:solidFill>
                   <a:schemeClr val="accent1"/>
                 </a:solidFill>
               </a14:hiddenFill>
             </a:ext>
             <a:ext uri="{91240B29-F687-4f45-9708-019B960494DF}">
-              <a14:hiddenLine xmlns="" xmlns:a14="http://schemas.microsoft.com/office/drawing/2010/main" w="9525">
+              <a14:hiddenLine xmlns:a14="http://schemas.microsoft.com/office/drawing/2010/main" xmlns="" w="9525">
                 <a:solidFill>
                   <a:schemeClr val="tx1"/>
                 </a:solidFill>
@@ -2881,7 +2881,7 @@
               </a14:hiddenLine>
             </a:ext>
             <a:ext uri="{AF507438-7753-43e0-B8FC-AC1667EBCBE1}">
-              <a14:hiddenEffects xmlns="" xmlns:a14="http://schemas.microsoft.com/office/drawing/2010/main">
+              <a14:hiddenEffects xmlns:a14="http://schemas.microsoft.com/office/drawing/2010/main" xmlns="">
                 <a:effectLst>
                   <a:outerShdw dist="35921" dir="2700000" algn="ctr" rotWithShape="0">
                     <a:schemeClr val="bg2"/>
@@ -2933,14 +2933,14 @@
           <a:effectLst/>
           <a:extLst>
             <a:ext uri="{909E8E84-426E-40dd-AFC4-6F175D3DCCD1}">
-              <a14:hiddenFill xmlns="" xmlns:a14="http://schemas.microsoft.com/office/drawing/2010/main">
+              <a14:hiddenFill xmlns:a14="http://schemas.microsoft.com/office/drawing/2010/main" xmlns="">
                 <a:solidFill>
                   <a:schemeClr val="accent1"/>
                 </a:solidFill>
               </a14:hiddenFill>
             </a:ext>
             <a:ext uri="{91240B29-F687-4f45-9708-019B960494DF}">
-              <a14:hiddenLine xmlns="" xmlns:a14="http://schemas.microsoft.com/office/drawing/2010/main" w="9525">
+              <a14:hiddenLine xmlns:a14="http://schemas.microsoft.com/office/drawing/2010/main" xmlns="" w="9525">
                 <a:solidFill>
                   <a:schemeClr val="tx1"/>
                 </a:solidFill>
@@ -2950,7 +2950,7 @@
               </a14:hiddenLine>
             </a:ext>
             <a:ext uri="{AF507438-7753-43e0-B8FC-AC1667EBCBE1}">
-              <a14:hiddenEffects xmlns="" xmlns:a14="http://schemas.microsoft.com/office/drawing/2010/main">
+              <a14:hiddenEffects xmlns:a14="http://schemas.microsoft.com/office/drawing/2010/main" xmlns="">
                 <a:effectLst>
                   <a:outerShdw dist="35921" dir="2700000" algn="ctr" rotWithShape="0">
                     <a:schemeClr val="bg2"/>
@@ -3699,14 +3699,14 @@
           <a:effectLst/>
           <a:extLst>
             <a:ext uri="{909E8E84-426E-40dd-AFC4-6F175D3DCCD1}">
-              <a14:hiddenFill xmlns="" xmlns:a14="http://schemas.microsoft.com/office/drawing/2010/main">
+              <a14:hiddenFill xmlns:a14="http://schemas.microsoft.com/office/drawing/2010/main" xmlns="">
                 <a:solidFill>
                   <a:schemeClr val="accent1"/>
                 </a:solidFill>
               </a14:hiddenFill>
             </a:ext>
             <a:ext uri="{91240B29-F687-4f45-9708-019B960494DF}">
-              <a14:hiddenLine xmlns="" xmlns:a14="http://schemas.microsoft.com/office/drawing/2010/main" w="9525">
+              <a14:hiddenLine xmlns:a14="http://schemas.microsoft.com/office/drawing/2010/main" xmlns="" w="9525">
                 <a:solidFill>
                   <a:schemeClr val="tx1"/>
                 </a:solidFill>
@@ -3716,7 +3716,7 @@
               </a14:hiddenLine>
             </a:ext>
             <a:ext uri="{AF507438-7753-43e0-B8FC-AC1667EBCBE1}">
-              <a14:hiddenEffects xmlns="" xmlns:a14="http://schemas.microsoft.com/office/drawing/2010/main">
+              <a14:hiddenEffects xmlns:a14="http://schemas.microsoft.com/office/drawing/2010/main" xmlns="">
                 <a:effectLst>
                   <a:outerShdw dist="35921" dir="2700000" algn="ctr" rotWithShape="0">
                     <a:schemeClr val="bg2"/>
@@ -3952,7 +3952,7 @@
           <a:noFill/>
           <a:extLst>
             <a:ext uri="{909E8E84-426E-40dd-AFC4-6F175D3DCCD1}">
-              <a14:hiddenFill xmlns="" xmlns:a14="http://schemas.microsoft.com/office/drawing/2010/main">
+              <a14:hiddenFill xmlns:a14="http://schemas.microsoft.com/office/drawing/2010/main" xmlns="">
                 <a:solidFill>
                   <a:srgbClr val="FFFFFF"/>
                 </a:solidFill>
@@ -4174,12 +4174,12 @@
           <a:effectLst/>
           <a:extLst>
             <a:ext uri="{909E8E84-426E-40dd-AFC4-6F175D3DCCD1}">
-              <a14:hiddenFill xmlns="" xmlns:a14="http://schemas.microsoft.com/office/drawing/2010/main">
+              <a14:hiddenFill xmlns:a14="http://schemas.microsoft.com/office/drawing/2010/main" xmlns="">
                 <a:noFill/>
               </a14:hiddenFill>
             </a:ext>
             <a:ext uri="{AF507438-7753-43e0-B8FC-AC1667EBCBE1}">
-              <a14:hiddenEffects xmlns="" xmlns:a14="http://schemas.microsoft.com/office/drawing/2010/main">
+              <a14:hiddenEffects xmlns:a14="http://schemas.microsoft.com/office/drawing/2010/main" xmlns="">
                 <a:effectLst>
                   <a:outerShdw dist="35921" dir="2700000" algn="ctr" rotWithShape="0">
                     <a:schemeClr val="bg2"/>
@@ -4493,12 +4493,12 @@
           <a:effectLst/>
           <a:extLst>
             <a:ext uri="{909E8E84-426E-40dd-AFC4-6F175D3DCCD1}">
-              <a14:hiddenFill xmlns="" xmlns:a14="http://schemas.microsoft.com/office/drawing/2010/main">
+              <a14:hiddenFill xmlns:a14="http://schemas.microsoft.com/office/drawing/2010/main" xmlns="">
                 <a:noFill/>
               </a14:hiddenFill>
             </a:ext>
             <a:ext uri="{AF507438-7753-43e0-B8FC-AC1667EBCBE1}">
-              <a14:hiddenEffects xmlns="" xmlns:a14="http://schemas.microsoft.com/office/drawing/2010/main">
+              <a14:hiddenEffects xmlns:a14="http://schemas.microsoft.com/office/drawing/2010/main" xmlns="">
                 <a:effectLst>
                   <a:outerShdw dist="35921" dir="2700000" algn="ctr" rotWithShape="0">
                     <a:schemeClr val="bg2"/>
@@ -4519,8 +4519,8 @@
           </a:p>
         </p:txBody>
       </p:sp>
-      <mc:AlternateContent xmlns:mc="http://schemas.openxmlformats.org/markup-compatibility/2006">
-        <mc:Choice xmlns:a14="http://schemas.microsoft.com/office/drawing/2010/main" Requires="a14">
+      <mc:AlternateContent xmlns:mc="http://schemas.openxmlformats.org/markup-compatibility/2006" xmlns:a14="http://schemas.microsoft.com/office/drawing/2010/main">
+        <mc:Choice Requires="a14">
           <p:sp>
             <p:nvSpPr>
               <p:cNvPr id="73" name="Tekstfelt 72">
@@ -4778,7 +4778,7 @@
             </p:txBody>
           </p:sp>
         </mc:Choice>
-        <mc:Fallback>
+        <mc:Fallback xmlns="">
           <p:sp>
             <p:nvSpPr>
               <p:cNvPr id="73" name="Tekstfelt 72">
@@ -5189,7 +5189,7 @@
         </p:nvSpPr>
         <p:spPr>
           <a:xfrm>
-            <a:off x="15860067" y="30261246"/>
+            <a:off x="32435854" y="30261246"/>
             <a:ext cx="7754034" cy="815608"/>
           </a:xfrm>
           <a:prstGeom prst="rect">
@@ -5265,7 +5265,7 @@
         </p:nvSpPr>
         <p:spPr>
           <a:xfrm>
-            <a:off x="15860067" y="31203447"/>
+            <a:off x="32435854" y="31203447"/>
             <a:ext cx="10611465" cy="630942"/>
           </a:xfrm>
           <a:prstGeom prst="rect">
@@ -5768,8 +5768,8 @@
           </a:p>
         </p:txBody>
       </p:sp>
-      <mc:AlternateContent xmlns:mc="http://schemas.openxmlformats.org/markup-compatibility/2006">
-        <mc:Choice xmlns:a14="http://schemas.microsoft.com/office/drawing/2010/main" Requires="a14">
+      <mc:AlternateContent xmlns:mc="http://schemas.openxmlformats.org/markup-compatibility/2006" xmlns:a14="http://schemas.microsoft.com/office/drawing/2010/main">
+        <mc:Choice Requires="a14">
           <p:sp>
             <p:nvSpPr>
               <p:cNvPr id="9" name="Tekstfelt 10">
@@ -5948,7 +5948,7 @@
             </p:txBody>
           </p:sp>
         </mc:Choice>
-        <mc:Fallback>
+        <mc:Fallback xmlns="">
           <p:sp>
             <p:nvSpPr>
               <p:cNvPr id="9" name="Tekstfelt 10">
@@ -8773,7 +8773,7 @@
         </p:blipFill>
         <p:spPr>
           <a:xfrm>
-            <a:off x="16115885" y="31965009"/>
+            <a:off x="32691672" y="31965009"/>
             <a:ext cx="12403643" cy="4560933"/>
           </a:xfrm>
           <a:prstGeom prst="rect">

--- a/poster.pptx
+++ b/poster.pptx
@@ -237,14 +237,14 @@
           <a:effectLst/>
           <a:extLst>
             <a:ext uri="{909E8E84-426E-40dd-AFC4-6F175D3DCCD1}">
-              <a14:hiddenFill xmlns:a14="http://schemas.microsoft.com/office/drawing/2010/main" xmlns="">
+              <a14:hiddenFill xmlns="" xmlns:a14="http://schemas.microsoft.com/office/drawing/2010/main">
                 <a:solidFill>
                   <a:schemeClr val="accent1"/>
                 </a:solidFill>
               </a14:hiddenFill>
             </a:ext>
             <a:ext uri="{91240B29-F687-4f45-9708-019B960494DF}">
-              <a14:hiddenLine xmlns:a14="http://schemas.microsoft.com/office/drawing/2010/main" xmlns="" w="9525">
+              <a14:hiddenLine xmlns="" xmlns:a14="http://schemas.microsoft.com/office/drawing/2010/main" w="9525">
                 <a:solidFill>
                   <a:schemeClr val="tx1"/>
                 </a:solidFill>
@@ -254,7 +254,7 @@
               </a14:hiddenLine>
             </a:ext>
             <a:ext uri="{AF507438-7753-43e0-B8FC-AC1667EBCBE1}">
-              <a14:hiddenEffects xmlns:a14="http://schemas.microsoft.com/office/drawing/2010/main" xmlns="">
+              <a14:hiddenEffects xmlns="" xmlns:a14="http://schemas.microsoft.com/office/drawing/2010/main">
                 <a:effectLst>
                   <a:outerShdw dist="35921" dir="2700000" algn="ctr" rotWithShape="0">
                     <a:schemeClr val="bg2"/>
@@ -305,14 +305,14 @@
           <a:effectLst/>
           <a:extLst>
             <a:ext uri="{909E8E84-426E-40dd-AFC4-6F175D3DCCD1}">
-              <a14:hiddenFill xmlns:a14="http://schemas.microsoft.com/office/drawing/2010/main" xmlns="">
+              <a14:hiddenFill xmlns="" xmlns:a14="http://schemas.microsoft.com/office/drawing/2010/main">
                 <a:solidFill>
                   <a:schemeClr val="accent1"/>
                 </a:solidFill>
               </a14:hiddenFill>
             </a:ext>
             <a:ext uri="{91240B29-F687-4f45-9708-019B960494DF}">
-              <a14:hiddenLine xmlns:a14="http://schemas.microsoft.com/office/drawing/2010/main" xmlns="" w="9525">
+              <a14:hiddenLine xmlns="" xmlns:a14="http://schemas.microsoft.com/office/drawing/2010/main" w="9525">
                 <a:solidFill>
                   <a:schemeClr val="tx1"/>
                 </a:solidFill>
@@ -322,7 +322,7 @@
               </a14:hiddenLine>
             </a:ext>
             <a:ext uri="{AF507438-7753-43e0-B8FC-AC1667EBCBE1}">
-              <a14:hiddenEffects xmlns:a14="http://schemas.microsoft.com/office/drawing/2010/main" xmlns="">
+              <a14:hiddenEffects xmlns="" xmlns:a14="http://schemas.microsoft.com/office/drawing/2010/main">
                 <a:effectLst>
                   <a:outerShdw dist="35921" dir="2700000" algn="ctr" rotWithShape="0">
                     <a:schemeClr val="bg2"/>
@@ -373,14 +373,14 @@
           <a:effectLst/>
           <a:extLst>
             <a:ext uri="{909E8E84-426E-40dd-AFC4-6F175D3DCCD1}">
-              <a14:hiddenFill xmlns:a14="http://schemas.microsoft.com/office/drawing/2010/main" xmlns="">
+              <a14:hiddenFill xmlns="" xmlns:a14="http://schemas.microsoft.com/office/drawing/2010/main">
                 <a:solidFill>
                   <a:schemeClr val="accent1"/>
                 </a:solidFill>
               </a14:hiddenFill>
             </a:ext>
             <a:ext uri="{91240B29-F687-4f45-9708-019B960494DF}">
-              <a14:hiddenLine xmlns:a14="http://schemas.microsoft.com/office/drawing/2010/main" xmlns="" w="9525">
+              <a14:hiddenLine xmlns="" xmlns:a14="http://schemas.microsoft.com/office/drawing/2010/main" w="9525">
                 <a:solidFill>
                   <a:schemeClr val="tx1"/>
                 </a:solidFill>
@@ -390,7 +390,7 @@
               </a14:hiddenLine>
             </a:ext>
             <a:ext uri="{AF507438-7753-43e0-B8FC-AC1667EBCBE1}">
-              <a14:hiddenEffects xmlns:a14="http://schemas.microsoft.com/office/drawing/2010/main" xmlns="">
+              <a14:hiddenEffects xmlns="" xmlns:a14="http://schemas.microsoft.com/office/drawing/2010/main">
                 <a:effectLst>
                   <a:outerShdw dist="35921" dir="2700000" algn="ctr" rotWithShape="0">
                     <a:schemeClr val="bg2"/>
@@ -441,14 +441,14 @@
           <a:effectLst/>
           <a:extLst>
             <a:ext uri="{909E8E84-426E-40dd-AFC4-6F175D3DCCD1}">
-              <a14:hiddenFill xmlns:a14="http://schemas.microsoft.com/office/drawing/2010/main" xmlns="">
+              <a14:hiddenFill xmlns="" xmlns:a14="http://schemas.microsoft.com/office/drawing/2010/main">
                 <a:solidFill>
                   <a:schemeClr val="accent1"/>
                 </a:solidFill>
               </a14:hiddenFill>
             </a:ext>
             <a:ext uri="{91240B29-F687-4f45-9708-019B960494DF}">
-              <a14:hiddenLine xmlns:a14="http://schemas.microsoft.com/office/drawing/2010/main" xmlns="" w="9525">
+              <a14:hiddenLine xmlns="" xmlns:a14="http://schemas.microsoft.com/office/drawing/2010/main" w="9525">
                 <a:solidFill>
                   <a:schemeClr val="tx1"/>
                 </a:solidFill>
@@ -458,7 +458,7 @@
               </a14:hiddenLine>
             </a:ext>
             <a:ext uri="{AF507438-7753-43e0-B8FC-AC1667EBCBE1}">
-              <a14:hiddenEffects xmlns:a14="http://schemas.microsoft.com/office/drawing/2010/main" xmlns="">
+              <a14:hiddenEffects xmlns="" xmlns:a14="http://schemas.microsoft.com/office/drawing/2010/main">
                 <a:effectLst>
                   <a:outerShdw dist="35921" dir="2700000" algn="ctr" rotWithShape="0">
                     <a:schemeClr val="bg2"/>
@@ -550,14 +550,14 @@
           <a:effectLst/>
           <a:extLst>
             <a:ext uri="{909E8E84-426E-40dd-AFC4-6F175D3DCCD1}">
-              <a14:hiddenFill xmlns:a14="http://schemas.microsoft.com/office/drawing/2010/main" xmlns="">
+              <a14:hiddenFill xmlns="" xmlns:a14="http://schemas.microsoft.com/office/drawing/2010/main">
                 <a:solidFill>
                   <a:schemeClr val="accent1"/>
                 </a:solidFill>
               </a14:hiddenFill>
             </a:ext>
             <a:ext uri="{91240B29-F687-4f45-9708-019B960494DF}">
-              <a14:hiddenLine xmlns:a14="http://schemas.microsoft.com/office/drawing/2010/main" xmlns="" w="9525">
+              <a14:hiddenLine xmlns="" xmlns:a14="http://schemas.microsoft.com/office/drawing/2010/main" w="9525">
                 <a:solidFill>
                   <a:schemeClr val="tx1"/>
                 </a:solidFill>
@@ -567,7 +567,7 @@
               </a14:hiddenLine>
             </a:ext>
             <a:ext uri="{AF507438-7753-43e0-B8FC-AC1667EBCBE1}">
-              <a14:hiddenEffects xmlns:a14="http://schemas.microsoft.com/office/drawing/2010/main" xmlns="">
+              <a14:hiddenEffects xmlns="" xmlns:a14="http://schemas.microsoft.com/office/drawing/2010/main">
                 <a:effectLst>
                   <a:outerShdw dist="35921" dir="2700000" algn="ctr" rotWithShape="0">
                     <a:schemeClr val="bg2"/>
@@ -618,14 +618,14 @@
           <a:effectLst/>
           <a:extLst>
             <a:ext uri="{909E8E84-426E-40dd-AFC4-6F175D3DCCD1}">
-              <a14:hiddenFill xmlns:a14="http://schemas.microsoft.com/office/drawing/2010/main" xmlns="">
+              <a14:hiddenFill xmlns="" xmlns:a14="http://schemas.microsoft.com/office/drawing/2010/main">
                 <a:solidFill>
                   <a:schemeClr val="accent1"/>
                 </a:solidFill>
               </a14:hiddenFill>
             </a:ext>
             <a:ext uri="{91240B29-F687-4f45-9708-019B960494DF}">
-              <a14:hiddenLine xmlns:a14="http://schemas.microsoft.com/office/drawing/2010/main" xmlns="" w="9525">
+              <a14:hiddenLine xmlns="" xmlns:a14="http://schemas.microsoft.com/office/drawing/2010/main" w="9525">
                 <a:solidFill>
                   <a:schemeClr val="tx1"/>
                 </a:solidFill>
@@ -635,7 +635,7 @@
               </a14:hiddenLine>
             </a:ext>
             <a:ext uri="{AF507438-7753-43e0-B8FC-AC1667EBCBE1}">
-              <a14:hiddenEffects xmlns:a14="http://schemas.microsoft.com/office/drawing/2010/main" xmlns="">
+              <a14:hiddenEffects xmlns="" xmlns:a14="http://schemas.microsoft.com/office/drawing/2010/main">
                 <a:effectLst>
                   <a:outerShdw dist="35921" dir="2700000" algn="ctr" rotWithShape="0">
                     <a:schemeClr val="bg2"/>
@@ -691,7 +691,7 @@
           <a:effectLst/>
           <a:extLst>
             <a:ext uri="{AF507438-7753-43e0-B8FC-AC1667EBCBE1}">
-              <a14:hiddenEffects xmlns:a14="http://schemas.microsoft.com/office/drawing/2010/main" xmlns="">
+              <a14:hiddenEffects xmlns="" xmlns:a14="http://schemas.microsoft.com/office/drawing/2010/main">
                 <a:effectLst>
                   <a:outerShdw dist="35921" dir="2700000" algn="ctr" rotWithShape="0">
                     <a:srgbClr val="808080"/>
@@ -700,7 +700,7 @@
               </a14:hiddenEffects>
             </a:ext>
             <a:ext uri="{53640926-AAD7-44d8-BBD7-CCE9431645EC}">
-              <a14:shadowObscured xmlns:a14="http://schemas.microsoft.com/office/drawing/2010/main" xmlns="" val="1"/>
+              <a14:shadowObscured xmlns="" xmlns:a14="http://schemas.microsoft.com/office/drawing/2010/main" val="1"/>
             </a:ext>
           </a:extLst>
         </p:spPr>
@@ -730,14 +730,14 @@
           <a:effectLst/>
           <a:extLst>
             <a:ext uri="{909E8E84-426E-40dd-AFC4-6F175D3DCCD1}">
-              <a14:hiddenFill xmlns:a14="http://schemas.microsoft.com/office/drawing/2010/main" xmlns="">
+              <a14:hiddenFill xmlns="" xmlns:a14="http://schemas.microsoft.com/office/drawing/2010/main">
                 <a:solidFill>
                   <a:schemeClr val="accent1"/>
                 </a:solidFill>
               </a14:hiddenFill>
             </a:ext>
             <a:ext uri="{91240B29-F687-4f45-9708-019B960494DF}">
-              <a14:hiddenLine xmlns:a14="http://schemas.microsoft.com/office/drawing/2010/main" xmlns="" w="9525">
+              <a14:hiddenLine xmlns="" xmlns:a14="http://schemas.microsoft.com/office/drawing/2010/main" w="9525">
                 <a:solidFill>
                   <a:schemeClr val="tx1"/>
                 </a:solidFill>
@@ -747,7 +747,7 @@
               </a14:hiddenLine>
             </a:ext>
             <a:ext uri="{AF507438-7753-43e0-B8FC-AC1667EBCBE1}">
-              <a14:hiddenEffects xmlns:a14="http://schemas.microsoft.com/office/drawing/2010/main" xmlns="">
+              <a14:hiddenEffects xmlns="" xmlns:a14="http://schemas.microsoft.com/office/drawing/2010/main">
                 <a:effectLst>
                   <a:outerShdw dist="35921" dir="2700000" algn="ctr" rotWithShape="0">
                     <a:schemeClr val="bg2"/>
@@ -826,14 +826,14 @@
           <a:effectLst/>
           <a:extLst>
             <a:ext uri="{909E8E84-426E-40dd-AFC4-6F175D3DCCD1}">
-              <a14:hiddenFill xmlns:a14="http://schemas.microsoft.com/office/drawing/2010/main" xmlns="">
+              <a14:hiddenFill xmlns="" xmlns:a14="http://schemas.microsoft.com/office/drawing/2010/main">
                 <a:solidFill>
                   <a:schemeClr val="accent1"/>
                 </a:solidFill>
               </a14:hiddenFill>
             </a:ext>
             <a:ext uri="{91240B29-F687-4f45-9708-019B960494DF}">
-              <a14:hiddenLine xmlns:a14="http://schemas.microsoft.com/office/drawing/2010/main" xmlns="" w="9525">
+              <a14:hiddenLine xmlns="" xmlns:a14="http://schemas.microsoft.com/office/drawing/2010/main" w="9525">
                 <a:solidFill>
                   <a:schemeClr val="tx1"/>
                 </a:solidFill>
@@ -843,7 +843,7 @@
               </a14:hiddenLine>
             </a:ext>
             <a:ext uri="{AF507438-7753-43e0-B8FC-AC1667EBCBE1}">
-              <a14:hiddenEffects xmlns:a14="http://schemas.microsoft.com/office/drawing/2010/main" xmlns="">
+              <a14:hiddenEffects xmlns="" xmlns:a14="http://schemas.microsoft.com/office/drawing/2010/main">
                 <a:effectLst>
                   <a:outerShdw dist="35921" dir="2700000" algn="ctr" rotWithShape="0">
                     <a:schemeClr val="bg2"/>
@@ -894,14 +894,14 @@
           <a:effectLst/>
           <a:extLst>
             <a:ext uri="{909E8E84-426E-40dd-AFC4-6F175D3DCCD1}">
-              <a14:hiddenFill xmlns:a14="http://schemas.microsoft.com/office/drawing/2010/main" xmlns="">
+              <a14:hiddenFill xmlns="" xmlns:a14="http://schemas.microsoft.com/office/drawing/2010/main">
                 <a:solidFill>
                   <a:schemeClr val="accent1"/>
                 </a:solidFill>
               </a14:hiddenFill>
             </a:ext>
             <a:ext uri="{91240B29-F687-4f45-9708-019B960494DF}">
-              <a14:hiddenLine xmlns:a14="http://schemas.microsoft.com/office/drawing/2010/main" xmlns="" w="9525">
+              <a14:hiddenLine xmlns="" xmlns:a14="http://schemas.microsoft.com/office/drawing/2010/main" w="9525">
                 <a:solidFill>
                   <a:schemeClr val="tx1"/>
                 </a:solidFill>
@@ -911,7 +911,7 @@
               </a14:hiddenLine>
             </a:ext>
             <a:ext uri="{AF507438-7753-43e0-B8FC-AC1667EBCBE1}">
-              <a14:hiddenEffects xmlns:a14="http://schemas.microsoft.com/office/drawing/2010/main" xmlns="">
+              <a14:hiddenEffects xmlns="" xmlns:a14="http://schemas.microsoft.com/office/drawing/2010/main">
                 <a:effectLst>
                   <a:outerShdw dist="35921" dir="2700000" algn="ctr" rotWithShape="0">
                     <a:schemeClr val="bg2"/>
@@ -2864,14 +2864,14 @@
           <a:effectLst/>
           <a:extLst>
             <a:ext uri="{909E8E84-426E-40dd-AFC4-6F175D3DCCD1}">
-              <a14:hiddenFill xmlns:a14="http://schemas.microsoft.com/office/drawing/2010/main" xmlns="">
+              <a14:hiddenFill xmlns="" xmlns:a14="http://schemas.microsoft.com/office/drawing/2010/main">
                 <a:solidFill>
                   <a:schemeClr val="accent1"/>
                 </a:solidFill>
               </a14:hiddenFill>
             </a:ext>
             <a:ext uri="{91240B29-F687-4f45-9708-019B960494DF}">
-              <a14:hiddenLine xmlns:a14="http://schemas.microsoft.com/office/drawing/2010/main" xmlns="" w="9525">
+              <a14:hiddenLine xmlns="" xmlns:a14="http://schemas.microsoft.com/office/drawing/2010/main" w="9525">
                 <a:solidFill>
                   <a:schemeClr val="tx1"/>
                 </a:solidFill>
@@ -2881,7 +2881,7 @@
               </a14:hiddenLine>
             </a:ext>
             <a:ext uri="{AF507438-7753-43e0-B8FC-AC1667EBCBE1}">
-              <a14:hiddenEffects xmlns:a14="http://schemas.microsoft.com/office/drawing/2010/main" xmlns="">
+              <a14:hiddenEffects xmlns="" xmlns:a14="http://schemas.microsoft.com/office/drawing/2010/main">
                 <a:effectLst>
                   <a:outerShdw dist="35921" dir="2700000" algn="ctr" rotWithShape="0">
                     <a:schemeClr val="bg2"/>
@@ -2933,14 +2933,14 @@
           <a:effectLst/>
           <a:extLst>
             <a:ext uri="{909E8E84-426E-40dd-AFC4-6F175D3DCCD1}">
-              <a14:hiddenFill xmlns:a14="http://schemas.microsoft.com/office/drawing/2010/main" xmlns="">
+              <a14:hiddenFill xmlns="" xmlns:a14="http://schemas.microsoft.com/office/drawing/2010/main">
                 <a:solidFill>
                   <a:schemeClr val="accent1"/>
                 </a:solidFill>
               </a14:hiddenFill>
             </a:ext>
             <a:ext uri="{91240B29-F687-4f45-9708-019B960494DF}">
-              <a14:hiddenLine xmlns:a14="http://schemas.microsoft.com/office/drawing/2010/main" xmlns="" w="9525">
+              <a14:hiddenLine xmlns="" xmlns:a14="http://schemas.microsoft.com/office/drawing/2010/main" w="9525">
                 <a:solidFill>
                   <a:schemeClr val="tx1"/>
                 </a:solidFill>
@@ -2950,7 +2950,7 @@
               </a14:hiddenLine>
             </a:ext>
             <a:ext uri="{AF507438-7753-43e0-B8FC-AC1667EBCBE1}">
-              <a14:hiddenEffects xmlns:a14="http://schemas.microsoft.com/office/drawing/2010/main" xmlns="">
+              <a14:hiddenEffects xmlns="" xmlns:a14="http://schemas.microsoft.com/office/drawing/2010/main">
                 <a:effectLst>
                   <a:outerShdw dist="35921" dir="2700000" algn="ctr" rotWithShape="0">
                     <a:schemeClr val="bg2"/>
@@ -3686,7 +3686,7 @@
         </p:nvSpPr>
         <p:spPr bwMode="auto">
           <a:xfrm>
-            <a:off x="1388691" y="7662793"/>
+            <a:off x="1386459" y="7662793"/>
             <a:ext cx="27648840" cy="1816385"/>
           </a:xfrm>
           <a:prstGeom prst="rect">
@@ -3699,14 +3699,14 @@
           <a:effectLst/>
           <a:extLst>
             <a:ext uri="{909E8E84-426E-40dd-AFC4-6F175D3DCCD1}">
-              <a14:hiddenFill xmlns:a14="http://schemas.microsoft.com/office/drawing/2010/main" xmlns="">
+              <a14:hiddenFill xmlns="" xmlns:a14="http://schemas.microsoft.com/office/drawing/2010/main">
                 <a:solidFill>
                   <a:schemeClr val="accent1"/>
                 </a:solidFill>
               </a14:hiddenFill>
             </a:ext>
             <a:ext uri="{91240B29-F687-4f45-9708-019B960494DF}">
-              <a14:hiddenLine xmlns:a14="http://schemas.microsoft.com/office/drawing/2010/main" xmlns="" w="9525">
+              <a14:hiddenLine xmlns="" xmlns:a14="http://schemas.microsoft.com/office/drawing/2010/main" w="9525">
                 <a:solidFill>
                   <a:schemeClr val="tx1"/>
                 </a:solidFill>
@@ -3716,7 +3716,7 @@
               </a14:hiddenLine>
             </a:ext>
             <a:ext uri="{AF507438-7753-43e0-B8FC-AC1667EBCBE1}">
-              <a14:hiddenEffects xmlns:a14="http://schemas.microsoft.com/office/drawing/2010/main" xmlns="">
+              <a14:hiddenEffects xmlns="" xmlns:a14="http://schemas.microsoft.com/office/drawing/2010/main">
                 <a:effectLst>
                   <a:outerShdw dist="35921" dir="2700000" algn="ctr" rotWithShape="0">
                     <a:schemeClr val="bg2"/>
@@ -3879,7 +3879,7 @@
                   </a:schemeClr>
                 </a:solidFill>
               </a:rPr>
-              <a:t>By: J. Hammer Hedeman and William S. Hansen</a:t>
+              <a:t>By: J. Hammer Hedemann (s174044) and William S. Hansen (s163979)</a:t>
             </a:r>
           </a:p>
         </p:txBody>
@@ -3898,7 +3898,7 @@
         </p:nvSpPr>
         <p:spPr>
           <a:xfrm>
-            <a:off x="1286487" y="10936902"/>
+            <a:off x="1286487" y="10747078"/>
             <a:ext cx="12413340" cy="1169551"/>
           </a:xfrm>
           <a:prstGeom prst="rect">
@@ -3914,7 +3914,7 @@
           <a:p>
             <a:r>
               <a:rPr lang="en-US" sz="3500" dirty="0"/>
-              <a:t>The purpose of this project is to model Covid-19 spread using physics-informed neural networks (PINN)</a:t>
+              <a:t>The purpose of this project is to model epidemic spread using physics-informed neural networks (PINN)</a:t>
             </a:r>
             <a:endParaRPr lang="da-DK" dirty="0"/>
           </a:p>
@@ -3952,7 +3952,7 @@
           <a:noFill/>
           <a:extLst>
             <a:ext uri="{909E8E84-426E-40dd-AFC4-6F175D3DCCD1}">
-              <a14:hiddenFill xmlns:a14="http://schemas.microsoft.com/office/drawing/2010/main" xmlns="">
+              <a14:hiddenFill xmlns="" xmlns:a14="http://schemas.microsoft.com/office/drawing/2010/main">
                 <a:solidFill>
                   <a:srgbClr val="FFFFFF"/>
                 </a:solidFill>
@@ -4048,7 +4048,7 @@
                   <a:schemeClr val="tx1"/>
                 </a:solidFill>
               </a:rPr>
-              <a:t>Predicting spread of Covid-19</a:t>
+              <a:t>Predicting Epidemic Spread</a:t>
             </a:r>
             <a:br>
               <a:rPr lang="en-US" altLang="da-DK" dirty="0"/>
@@ -4174,12 +4174,12 @@
           <a:effectLst/>
           <a:extLst>
             <a:ext uri="{909E8E84-426E-40dd-AFC4-6F175D3DCCD1}">
-              <a14:hiddenFill xmlns:a14="http://schemas.microsoft.com/office/drawing/2010/main" xmlns="">
+              <a14:hiddenFill xmlns="" xmlns:a14="http://schemas.microsoft.com/office/drawing/2010/main">
                 <a:noFill/>
               </a14:hiddenFill>
             </a:ext>
             <a:ext uri="{AF507438-7753-43e0-B8FC-AC1667EBCBE1}">
-              <a14:hiddenEffects xmlns:a14="http://schemas.microsoft.com/office/drawing/2010/main" xmlns="">
+              <a14:hiddenEffects xmlns="" xmlns:a14="http://schemas.microsoft.com/office/drawing/2010/main">
                 <a:effectLst>
                   <a:outerShdw dist="35921" dir="2700000" algn="ctr" rotWithShape="0">
                     <a:schemeClr val="bg2"/>
@@ -4394,7 +4394,7 @@
           <a:p>
             <a:r>
               <a:rPr lang="en-US" sz="3500" dirty="0"/>
-              <a:t>The loss term contains 4 terms from the data and 4 terms from the ODE (one for each SIRD).</a:t>
+              <a:t>The loss term contains four terms from the data and four terms from the ODE (one for each of SIRD).</a:t>
             </a:r>
           </a:p>
           <a:p>
@@ -4493,12 +4493,12 @@
           <a:effectLst/>
           <a:extLst>
             <a:ext uri="{909E8E84-426E-40dd-AFC4-6F175D3DCCD1}">
-              <a14:hiddenFill xmlns:a14="http://schemas.microsoft.com/office/drawing/2010/main" xmlns="">
+              <a14:hiddenFill xmlns="" xmlns:a14="http://schemas.microsoft.com/office/drawing/2010/main">
                 <a:noFill/>
               </a14:hiddenFill>
             </a:ext>
             <a:ext uri="{AF507438-7753-43e0-B8FC-AC1667EBCBE1}">
-              <a14:hiddenEffects xmlns:a14="http://schemas.microsoft.com/office/drawing/2010/main" xmlns="">
+              <a14:hiddenEffects xmlns="" xmlns:a14="http://schemas.microsoft.com/office/drawing/2010/main">
                 <a:effectLst>
                   <a:outerShdw dist="35921" dir="2700000" algn="ctr" rotWithShape="0">
                     <a:schemeClr val="bg2"/>
@@ -4519,8 +4519,8 @@
           </a:p>
         </p:txBody>
       </p:sp>
-      <mc:AlternateContent xmlns:mc="http://schemas.openxmlformats.org/markup-compatibility/2006" xmlns:a14="http://schemas.microsoft.com/office/drawing/2010/main">
-        <mc:Choice Requires="a14">
+      <mc:AlternateContent xmlns:mc="http://schemas.openxmlformats.org/markup-compatibility/2006">
+        <mc:Choice xmlns:a14="http://schemas.microsoft.com/office/drawing/2010/main" Requires="a14">
           <p:sp>
             <p:nvSpPr>
               <p:cNvPr id="73" name="Tekstfelt 72">
@@ -4536,7 +4536,7 @@
             <p:spPr>
               <a:xfrm>
                 <a:off x="15823183" y="10879475"/>
-                <a:ext cx="5581500" cy="6585842"/>
+                <a:ext cx="5581500" cy="6856108"/>
               </a:xfrm>
               <a:prstGeom prst="rect">
                 <a:avLst/>
@@ -4553,9 +4553,6 @@
                   <a:rPr lang="en-US" sz="3500" dirty="0"/>
                   <a:t>A key question in an epidemic is when will the peak occur – the earlier it is known, the better it can help guide decision-making</a:t>
                 </a:r>
-              </a:p>
-              <a:p>
-                <a:endParaRPr lang="en-US" sz="3500" dirty="0"/>
               </a:p>
               <a:p>
                 <a:r>
@@ -4586,14 +4583,14 @@
                       <m:sSub>
                         <m:sSubPr>
                           <m:ctrlPr>
-                            <a:rPr lang="en-US" sz="3500" b="0" i="1" smtClean="0">
+                            <a:rPr lang="en-US" sz="3200" b="0" i="1" smtClean="0">
                               <a:latin typeface="Cambria Math" panose="02040503050406030204" pitchFamily="18" charset="0"/>
                             </a:rPr>
                           </m:ctrlPr>
                         </m:sSubPr>
                         <m:e>
                           <m:r>
-                            <a:rPr lang="en-US" sz="3500" b="0" i="1" smtClean="0">
+                            <a:rPr lang="en-US" sz="3200" b="0" i="1" smtClean="0">
                               <a:latin typeface="Cambria Math" panose="02040503050406030204" pitchFamily="18" charset="0"/>
                             </a:rPr>
                             <m:t>𝑛</m:t>
@@ -4601,7 +4598,7 @@
                         </m:e>
                         <m:sub>
                           <m:r>
-                            <a:rPr lang="en-US" sz="3500" b="0" i="1" smtClean="0">
+                            <a:rPr lang="en-US" sz="3200" b="0" i="1" smtClean="0">
                               <a:latin typeface="Cambria Math" panose="02040503050406030204" pitchFamily="18" charset="0"/>
                             </a:rPr>
                             <m:t>𝑙𝑎𝑦𝑒𝑟𝑠</m:t>
@@ -4609,22 +4606,37 @@
                         </m:sub>
                       </m:sSub>
                       <m:r>
-                        <a:rPr lang="en-US" sz="3500" b="0" i="1" smtClean="0">
+                        <a:rPr lang="en-US" sz="3200" b="0" i="1" smtClean="0">
                           <a:latin typeface="Cambria Math" panose="02040503050406030204" pitchFamily="18" charset="0"/>
                         </a:rPr>
-                        <m:t>=3, </m:t>
+                        <m:t>=3</m:t>
                       </m:r>
+                    </m:oMath>
+                  </m:oMathPara>
+                </a14:m>
+                <a:endParaRPr lang="da-DK" sz="3200" b="0" i="1" dirty="0">
+                  <a:latin typeface="Cambria Math" panose="02040503050406030204" pitchFamily="18" charset="0"/>
+                </a:endParaRPr>
+              </a:p>
+              <a:p>
+                <a:pPr/>
+                <a14:m>
+                  <m:oMathPara xmlns:m="http://schemas.openxmlformats.org/officeDocument/2006/math">
+                    <m:oMathParaPr>
+                      <m:jc m:val="left"/>
+                    </m:oMathParaPr>
+                    <m:oMath xmlns:m="http://schemas.openxmlformats.org/officeDocument/2006/math">
                       <m:sSub>
                         <m:sSubPr>
                           <m:ctrlPr>
-                            <a:rPr lang="en-US" sz="3500" b="0" i="1" smtClean="0">
+                            <a:rPr lang="en-US" sz="3200" b="0" i="1" smtClean="0">
                               <a:latin typeface="Cambria Math" panose="02040503050406030204" pitchFamily="18" charset="0"/>
                             </a:rPr>
                           </m:ctrlPr>
                         </m:sSubPr>
                         <m:e>
                           <m:r>
-                            <a:rPr lang="en-US" sz="3500" b="0" i="1" smtClean="0">
+                            <a:rPr lang="en-US" sz="3200" b="0" i="1" smtClean="0">
                               <a:latin typeface="Cambria Math" panose="02040503050406030204" pitchFamily="18" charset="0"/>
                             </a:rPr>
                             <m:t>𝑛</m:t>
@@ -4632,7 +4644,7 @@
                         </m:e>
                         <m:sub>
                           <m:r>
-                            <a:rPr lang="en-US" sz="3500" b="0" i="1" smtClean="0">
+                            <a:rPr lang="en-US" sz="3200" b="0" i="1" smtClean="0">
                               <a:latin typeface="Cambria Math" panose="02040503050406030204" pitchFamily="18" charset="0"/>
                             </a:rPr>
                             <m:t>𝑛𝑒𝑢𝑟𝑜𝑛𝑠</m:t>
@@ -4640,7 +4652,7 @@
                         </m:sub>
                       </m:sSub>
                       <m:r>
-                        <a:rPr lang="en-US" sz="3500" b="0" i="1" smtClean="0">
+                        <a:rPr lang="en-US" sz="3200" b="0" i="1" smtClean="0">
                           <a:latin typeface="Cambria Math" panose="02040503050406030204" pitchFamily="18" charset="0"/>
                         </a:rPr>
                         <m:t>=34</m:t>
@@ -4648,7 +4660,7 @@
                     </m:oMath>
                   </m:oMathPara>
                 </a14:m>
-                <a:endParaRPr lang="en-US" sz="3500" dirty="0"/>
+                <a:endParaRPr lang="en-US" sz="3200" dirty="0"/>
               </a:p>
               <a:p>
                 <a:pPr/>
@@ -4659,76 +4671,39 @@
                     </m:oMathParaPr>
                     <m:oMath xmlns:m="http://schemas.openxmlformats.org/officeDocument/2006/math">
                       <m:r>
-                        <a:rPr lang="en-US" sz="3500" b="0" i="1" smtClean="0">
+                        <a:rPr lang="en-US" sz="3200" b="0" i="1" smtClean="0">
                           <a:latin typeface="Cambria Math" panose="02040503050406030204" pitchFamily="18" charset="0"/>
                         </a:rPr>
-                        <m:t>𝑙𝑟</m:t>
+                        <m:t>𝑙</m:t>
                       </m:r>
                       <m:r>
-                        <a:rPr lang="en-US" sz="3500" b="0" i="1" smtClean="0">
+                        <a:rPr lang="da-DK" sz="3200" b="0" i="1" smtClean="0">
                           <a:latin typeface="Cambria Math" panose="02040503050406030204" pitchFamily="18" charset="0"/>
                         </a:rPr>
-                        <m:t>=0.01, </m:t>
+                        <m:t>𝑒𝑎𝑟𝑛</m:t>
                       </m:r>
                       <m:r>
-                        <a:rPr lang="en-US" sz="3500" b="0" i="1" smtClean="0">
+                        <a:rPr lang="en-US" sz="3200" b="0" i="1" smtClean="0">
                           <a:latin typeface="Cambria Math" panose="02040503050406030204" pitchFamily="18" charset="0"/>
                         </a:rPr>
-                        <m:t>𝑎𝑐𝑡</m:t>
+                        <m:t>𝑟</m:t>
                       </m:r>
                       <m:r>
-                        <a:rPr lang="en-US" sz="3500" b="0" i="1" smtClean="0">
+                        <a:rPr lang="da-DK" sz="3200" b="0" i="1" smtClean="0">
                           <a:latin typeface="Cambria Math" panose="02040503050406030204" pitchFamily="18" charset="0"/>
                         </a:rPr>
-                        <m:t>=</m:t>
+                        <m:t>𝑎𝑡𝑒</m:t>
                       </m:r>
                       <m:r>
-                        <a:rPr lang="en-US" sz="3500" b="0" i="1" smtClean="0">
+                        <a:rPr lang="en-US" sz="3200" b="0" i="1" smtClean="0">
                           <a:latin typeface="Cambria Math" panose="02040503050406030204" pitchFamily="18" charset="0"/>
                         </a:rPr>
-                        <m:t>𝑡𝑎𝑛h</m:t>
+                        <m:t>=0.01</m:t>
                       </m:r>
                     </m:oMath>
                   </m:oMathPara>
                 </a14:m>
-                <a:endParaRPr lang="en-US" sz="3500" b="0" dirty="0"/>
-              </a:p>
-              <a:p>
-                <a:pPr/>
-                <a14:m>
-                  <m:oMathPara xmlns:m="http://schemas.openxmlformats.org/officeDocument/2006/math">
-                    <m:oMathParaPr>
-                      <m:jc m:val="left"/>
-                    </m:oMathParaPr>
-                    <m:oMath xmlns:m="http://schemas.openxmlformats.org/officeDocument/2006/math">
-                      <m:r>
-                        <a:rPr lang="en-US" sz="3500" b="0" i="1" smtClean="0">
-                          <a:latin typeface="Cambria Math" panose="02040503050406030204" pitchFamily="18" charset="0"/>
-                        </a:rPr>
-                        <m:t>𝑜𝑝𝑡</m:t>
-                      </m:r>
-                      <m:r>
-                        <a:rPr lang="en-US" sz="3500" b="0" i="1" smtClean="0">
-                          <a:latin typeface="Cambria Math" panose="02040503050406030204" pitchFamily="18" charset="0"/>
-                        </a:rPr>
-                        <m:t>=</m:t>
-                      </m:r>
-                      <m:r>
-                        <a:rPr lang="en-US" sz="3500" b="0" i="1" smtClean="0">
-                          <a:latin typeface="Cambria Math" panose="02040503050406030204" pitchFamily="18" charset="0"/>
-                        </a:rPr>
-                        <m:t>𝑎𝑑𝑎𝑚</m:t>
-                      </m:r>
-                      <m:r>
-                        <a:rPr lang="en-US" sz="3500" b="0" i="1" smtClean="0">
-                          <a:latin typeface="Cambria Math" panose="02040503050406030204" pitchFamily="18" charset="0"/>
-                        </a:rPr>
-                        <m:t>, </m:t>
-                      </m:r>
-                    </m:oMath>
-                  </m:oMathPara>
-                </a14:m>
-                <a:endParaRPr lang="en-US" sz="3500" b="0" i="1" dirty="0">
+                <a:endParaRPr lang="da-DK" sz="3200" b="0" i="1" dirty="0">
                   <a:latin typeface="Cambria Math" panose="02040503050406030204" pitchFamily="18" charset="0"/>
                 </a:endParaRPr>
               </a:p>
@@ -4741,31 +4716,107 @@
                     </m:oMathParaPr>
                     <m:oMath xmlns:m="http://schemas.openxmlformats.org/officeDocument/2006/math">
                       <m:r>
-                        <a:rPr lang="en-US" sz="3500" b="0" i="1" smtClean="0">
+                        <a:rPr lang="en-US" sz="3200" b="0" i="1" smtClean="0">
+                          <a:latin typeface="Cambria Math" panose="02040503050406030204" pitchFamily="18" charset="0"/>
+                        </a:rPr>
+                        <m:t>𝑎𝑐𝑡</m:t>
+                      </m:r>
+                      <m:r>
+                        <a:rPr lang="da-DK" sz="3200" b="0" i="1" smtClean="0">
+                          <a:latin typeface="Cambria Math" panose="02040503050406030204" pitchFamily="18" charset="0"/>
+                        </a:rPr>
+                        <m:t>𝑖𝑣𝑎𝑡𝑖𝑜𝑛</m:t>
+                      </m:r>
+                      <m:r>
+                        <a:rPr lang="en-US" sz="3200" b="0" i="1" smtClean="0">
+                          <a:latin typeface="Cambria Math" panose="02040503050406030204" pitchFamily="18" charset="0"/>
+                        </a:rPr>
+                        <m:t>=</m:t>
+                      </m:r>
+                      <m:r>
+                        <a:rPr lang="en-US" sz="3200" b="0" i="1" smtClean="0">
+                          <a:latin typeface="Cambria Math" panose="02040503050406030204" pitchFamily="18" charset="0"/>
+                        </a:rPr>
+                        <m:t>𝑡𝑎𝑛h</m:t>
+                      </m:r>
+                    </m:oMath>
+                  </m:oMathPara>
+                </a14:m>
+                <a:endParaRPr lang="en-US" sz="3200" b="0" dirty="0"/>
+              </a:p>
+              <a:p>
+                <a:pPr/>
+                <a14:m>
+                  <m:oMathPara xmlns:m="http://schemas.openxmlformats.org/officeDocument/2006/math">
+                    <m:oMathParaPr>
+                      <m:jc m:val="left"/>
+                    </m:oMathParaPr>
+                    <m:oMath xmlns:m="http://schemas.openxmlformats.org/officeDocument/2006/math">
+                      <m:r>
+                        <a:rPr lang="en-US" sz="3200" b="0" i="1" smtClean="0">
+                          <a:latin typeface="Cambria Math" panose="02040503050406030204" pitchFamily="18" charset="0"/>
+                        </a:rPr>
+                        <m:t>𝑜𝑝𝑡</m:t>
+                      </m:r>
+                      <m:r>
+                        <a:rPr lang="da-DK" sz="3200" b="0" i="1" smtClean="0">
+                          <a:latin typeface="Cambria Math" panose="02040503050406030204" pitchFamily="18" charset="0"/>
+                        </a:rPr>
+                        <m:t>𝑖𝑚𝑖𝑧𝑒𝑟</m:t>
+                      </m:r>
+                      <m:r>
+                        <a:rPr lang="en-US" sz="3200" b="0" i="1" smtClean="0">
+                          <a:latin typeface="Cambria Math" panose="02040503050406030204" pitchFamily="18" charset="0"/>
+                        </a:rPr>
+                        <m:t>=</m:t>
+                      </m:r>
+                      <m:r>
+                        <a:rPr lang="en-US" sz="3200" b="0" i="1" smtClean="0">
+                          <a:latin typeface="Cambria Math" panose="02040503050406030204" pitchFamily="18" charset="0"/>
+                        </a:rPr>
+                        <m:t>𝑎𝑑𝑎𝑚</m:t>
+                      </m:r>
+                    </m:oMath>
+                  </m:oMathPara>
+                </a14:m>
+                <a:endParaRPr lang="en-US" sz="3200" b="0" i="1" dirty="0">
+                  <a:latin typeface="Cambria Math" panose="02040503050406030204" pitchFamily="18" charset="0"/>
+                </a:endParaRPr>
+              </a:p>
+              <a:p>
+                <a:pPr/>
+                <a14:m>
+                  <m:oMathPara xmlns:m="http://schemas.openxmlformats.org/officeDocument/2006/math">
+                    <m:oMathParaPr>
+                      <m:jc m:val="left"/>
+                    </m:oMathParaPr>
+                    <m:oMath xmlns:m="http://schemas.openxmlformats.org/officeDocument/2006/math">
+                      <m:r>
+                        <a:rPr lang="en-US" sz="3200" b="0" i="1" smtClean="0">
                           <a:latin typeface="Cambria Math" panose="02040503050406030204" pitchFamily="18" charset="0"/>
                         </a:rPr>
                         <m:t>𝑖𝑛𝑖𝑡</m:t>
                       </m:r>
                       <m:r>
-                        <a:rPr lang="en-US" sz="3500" b="0" i="1" smtClean="0">
+                        <a:rPr lang="en-US" sz="3200" b="0" i="1" smtClean="0">
                           <a:latin typeface="Cambria Math" panose="02040503050406030204" pitchFamily="18" charset="0"/>
                         </a:rPr>
                         <m:t>=</m:t>
                       </m:r>
                       <m:r>
-                        <a:rPr lang="en-US" sz="3500" b="0" i="1" smtClean="0">
+                        <a:rPr lang="en-US" sz="3200" b="0" i="1" smtClean="0">
                           <a:latin typeface="Cambria Math" panose="02040503050406030204" pitchFamily="18" charset="0"/>
                         </a:rPr>
                         <m:t>𝐺𝑙𝑜𝑟𝑜𝑡</m:t>
                       </m:r>
                       <m:r>
-                        <a:rPr lang="en-US" sz="3500" b="0" i="1" smtClean="0">
+                        <a:rPr lang="en-US" sz="3200" b="0" i="1" smtClean="0">
                           <a:latin typeface="Cambria Math" panose="02040503050406030204" pitchFamily="18" charset="0"/>
                         </a:rPr>
                         <m:t> </m:t>
                       </m:r>
                       <m:r>
-                        <a:rPr lang="en-US" sz="3500" b="0" i="1" smtClean="0">
+                        <a:rPr lang="en-US" sz="3200" b="0" i="1" smtClean="0">
                           <a:latin typeface="Cambria Math" panose="02040503050406030204" pitchFamily="18" charset="0"/>
                         </a:rPr>
                         <m:t>𝑢𝑛𝑖𝑓𝑜𝑟𝑚</m:t>
@@ -4773,12 +4824,12 @@
                     </m:oMath>
                   </m:oMathPara>
                 </a14:m>
-                <a:endParaRPr lang="en-US" sz="3500" dirty="0"/>
+                <a:endParaRPr lang="en-US" sz="3200" dirty="0"/>
               </a:p>
             </p:txBody>
           </p:sp>
         </mc:Choice>
-        <mc:Fallback xmlns="">
+        <mc:Fallback>
           <p:sp>
             <p:nvSpPr>
               <p:cNvPr id="73" name="Tekstfelt 72">
@@ -4796,7 +4847,7 @@
             <p:spPr>
               <a:xfrm>
                 <a:off x="15823183" y="10879475"/>
-                <a:ext cx="5581500" cy="6585842"/>
+                <a:ext cx="5581500" cy="6856108"/>
               </a:xfrm>
               <a:prstGeom prst="rect">
                 <a:avLst/>
@@ -4804,7 +4855,7 @@
               <a:blipFill>
                 <a:blip r:embed="rId5"/>
                 <a:stretch>
-                  <a:fillRect l="-3279" t="-1481" r="-5355"/>
+                  <a:fillRect l="-3409" t="-1294" r="-5227" b="-1294"/>
                 </a:stretch>
               </a:blipFill>
             </p:spPr>
@@ -4891,7 +4942,7 @@
         </p:nvSpPr>
         <p:spPr>
           <a:xfrm>
-            <a:off x="1170435" y="12312639"/>
+            <a:off x="1286487" y="11972802"/>
             <a:ext cx="10214940" cy="1044779"/>
           </a:xfrm>
           <a:prstGeom prst="roundRect">
@@ -5013,7 +5064,7 @@
         </p:nvSpPr>
         <p:spPr>
           <a:xfrm>
-            <a:off x="1304659" y="13267358"/>
+            <a:off x="1304659" y="12925933"/>
             <a:ext cx="13152133" cy="2246769"/>
           </a:xfrm>
           <a:prstGeom prst="rect">
@@ -5215,42 +5266,193 @@
           </a:p>
         </p:txBody>
       </p:sp>
-      <p:sp>
-        <p:nvSpPr>
-          <p:cNvPr id="114" name="TextBox 113">
-            <a:extLst>
-              <a:ext uri="{FF2B5EF4-FFF2-40B4-BE49-F238E27FC236}">
-                <a16:creationId xmlns:a16="http://schemas.microsoft.com/office/drawing/2014/main" id="{B45F9262-3F98-628C-7B9E-E78B757C208C}"/>
-              </a:ext>
-            </a:extLst>
-          </p:cNvPr>
-          <p:cNvSpPr txBox="1"/>
-          <p:nvPr/>
-        </p:nvSpPr>
-        <p:spPr>
-          <a:xfrm>
-            <a:off x="15863937" y="18941469"/>
-            <a:ext cx="12907541" cy="630942"/>
-          </a:xfrm>
-          <a:prstGeom prst="rect">
-            <a:avLst/>
-          </a:prstGeom>
-          <a:noFill/>
-        </p:spPr>
-        <p:txBody>
-          <a:bodyPr wrap="square">
-            <a:spAutoFit/>
-          </a:bodyPr>
-          <a:lstStyle/>
-          <a:p>
-            <a:r>
-              <a:rPr lang="en-US" sz="3500" dirty="0"/>
-              <a:t>Text</a:t>
-            </a:r>
-            <a:endParaRPr lang="da-DK" sz="3500" dirty="0"/>
-          </a:p>
-        </p:txBody>
-      </p:sp>
+      <mc:AlternateContent xmlns:mc="http://schemas.openxmlformats.org/markup-compatibility/2006">
+        <mc:Choice xmlns:a14="http://schemas.microsoft.com/office/drawing/2010/main" Requires="a14">
+          <p:sp>
+            <p:nvSpPr>
+              <p:cNvPr id="114" name="TextBox 113">
+                <a:extLst>
+                  <a:ext uri="{FF2B5EF4-FFF2-40B4-BE49-F238E27FC236}">
+                    <a16:creationId xmlns:a16="http://schemas.microsoft.com/office/drawing/2014/main" id="{B45F9262-3F98-628C-7B9E-E78B757C208C}"/>
+                  </a:ext>
+                </a:extLst>
+              </p:cNvPr>
+              <p:cNvSpPr txBox="1"/>
+              <p:nvPr/>
+            </p:nvSpPr>
+            <p:spPr>
+              <a:xfrm>
+                <a:off x="15863937" y="18941469"/>
+                <a:ext cx="12907541" cy="4939814"/>
+              </a:xfrm>
+              <a:prstGeom prst="rect">
+                <a:avLst/>
+              </a:prstGeom>
+              <a:noFill/>
+            </p:spPr>
+            <p:txBody>
+              <a:bodyPr wrap="square">
+                <a:spAutoFit/>
+              </a:bodyPr>
+              <a:lstStyle/>
+              <a:p>
+                <a:r>
+                  <a:rPr lang="en-US" sz="3500" dirty="0"/>
+                  <a:t>During Covid-19, Denmark, and the rest of the world, saw the evolution of the disease as new mutations, with new properties,  was discovered. One of theses mutations, Omicron, was able to out-compete the current dominant variant. The SIRD-model is expanded to model two concurrent mutations by introducing an extra equation and two extra parameters to the SIRD model. The parameters are the </a:t>
+                </a:r>
+                <a14:m>
+                  <m:oMath xmlns:m="http://schemas.openxmlformats.org/officeDocument/2006/math">
+                    <m:r>
+                      <m:rPr>
+                        <m:sty m:val="p"/>
+                      </m:rPr>
+                      <a:rPr lang="da-DK" sz="3500" b="0" i="1" smtClean="0">
+                        <a:latin typeface="Cambria Math" panose="02040503050406030204" pitchFamily="18" charset="0"/>
+                      </a:rPr>
+                      <m:t>α</m:t>
+                    </m:r>
+                  </m:oMath>
+                </a14:m>
+                <a:r>
+                  <a:rPr lang="en-US" sz="3500" dirty="0"/>
+                  <a:t>-</a:t>
+                </a:r>
+                <a14:m>
+                  <m:oMath xmlns:m="http://schemas.openxmlformats.org/officeDocument/2006/math">
+                    <m:r>
+                      <a:rPr lang="da-DK" sz="3500" b="0" i="1" dirty="0" smtClean="0">
+                        <a:latin typeface="Cambria Math" panose="02040503050406030204" pitchFamily="18" charset="0"/>
+                      </a:rPr>
+                      <m:t>𝛽</m:t>
+                    </m:r>
+                  </m:oMath>
+                </a14:m>
+                <a:r>
+                  <a:rPr lang="en-US" sz="3500" dirty="0"/>
+                  <a:t> pair of the second variant, and the added equation is the same as </a:t>
+                </a:r>
+                <a14:m>
+                  <m:oMath xmlns:m="http://schemas.openxmlformats.org/officeDocument/2006/math">
+                    <m:r>
+                      <a:rPr lang="en-US" sz="3500" i="1" dirty="0" smtClean="0">
+                        <a:latin typeface="Cambria Math" panose="02040503050406030204" pitchFamily="18" charset="0"/>
+                      </a:rPr>
+                      <m:t>𝑑𝐼</m:t>
+                    </m:r>
+                    <m:r>
+                      <a:rPr lang="en-US" sz="3500" i="1" dirty="0" smtClean="0">
+                        <a:latin typeface="Cambria Math" panose="02040503050406030204" pitchFamily="18" charset="0"/>
+                      </a:rPr>
+                      <m:t>/</m:t>
+                    </m:r>
+                    <m:r>
+                      <a:rPr lang="en-US" sz="3500" i="1" dirty="0" smtClean="0">
+                        <a:latin typeface="Cambria Math" panose="02040503050406030204" pitchFamily="18" charset="0"/>
+                      </a:rPr>
+                      <m:t>𝑑𝑡</m:t>
+                    </m:r>
+                  </m:oMath>
+                </a14:m>
+                <a:r>
+                  <a:rPr lang="en-US" sz="3500" dirty="0"/>
+                  <a:t>.  In </a:t>
+                </a:r>
+                <a14:m>
+                  <m:oMath xmlns:m="http://schemas.openxmlformats.org/officeDocument/2006/math">
+                    <m:r>
+                      <a:rPr lang="en-US" sz="3500" i="1" dirty="0" smtClean="0">
+                        <a:latin typeface="Cambria Math" panose="02040503050406030204" pitchFamily="18" charset="0"/>
+                      </a:rPr>
+                      <m:t>𝑑𝑅</m:t>
+                    </m:r>
+                    <m:r>
+                      <a:rPr lang="en-US" sz="3500" i="1" dirty="0" smtClean="0">
+                        <a:latin typeface="Cambria Math" panose="02040503050406030204" pitchFamily="18" charset="0"/>
+                      </a:rPr>
+                      <m:t>/</m:t>
+                    </m:r>
+                    <m:r>
+                      <a:rPr lang="en-US" sz="3500" i="1" dirty="0" smtClean="0">
+                        <a:latin typeface="Cambria Math" panose="02040503050406030204" pitchFamily="18" charset="0"/>
+                      </a:rPr>
+                      <m:t>𝑑𝑡</m:t>
+                    </m:r>
+                    <m:r>
+                      <a:rPr lang="en-US" sz="3500" i="1" dirty="0" smtClean="0">
+                        <a:latin typeface="Cambria Math" panose="02040503050406030204" pitchFamily="18" charset="0"/>
+                      </a:rPr>
+                      <m:t> </m:t>
+                    </m:r>
+                  </m:oMath>
+                </a14:m>
+                <a:r>
+                  <a:rPr lang="en-US" sz="3500" dirty="0"/>
+                  <a:t>the </a:t>
+                </a:r>
+                <a14:m>
+                  <m:oMath xmlns:m="http://schemas.openxmlformats.org/officeDocument/2006/math">
+                    <m:r>
+                      <a:rPr lang="da-DK" sz="3500" b="0" i="1" dirty="0" smtClean="0">
+                        <a:latin typeface="Cambria Math" panose="02040503050406030204" pitchFamily="18" charset="0"/>
+                      </a:rPr>
+                      <m:t>𝛽</m:t>
+                    </m:r>
+                  </m:oMath>
+                </a14:m>
+                <a:r>
+                  <a:rPr lang="en-US" sz="3500" dirty="0"/>
+                  <a:t> of the second variant is added.</a:t>
+                </a:r>
+                <a:endParaRPr lang="da-DK" sz="3500" dirty="0"/>
+              </a:p>
+            </p:txBody>
+          </p:sp>
+        </mc:Choice>
+        <mc:Fallback>
+          <p:sp>
+            <p:nvSpPr>
+              <p:cNvPr id="114" name="TextBox 113">
+                <a:extLst>
+                  <a:ext uri="{FF2B5EF4-FFF2-40B4-BE49-F238E27FC236}">
+                    <a16:creationId xmlns:a16="http://schemas.microsoft.com/office/drawing/2014/main" id="{B45F9262-3F98-628C-7B9E-E78B757C208C}"/>
+                  </a:ext>
+                </a:extLst>
+              </p:cNvPr>
+              <p:cNvSpPr txBox="1">
+                <a:spLocks noRot="1" noChangeAspect="1" noMove="1" noResize="1" noEditPoints="1" noAdjustHandles="1" noChangeArrowheads="1" noChangeShapeType="1" noTextEdit="1"/>
+              </p:cNvSpPr>
+              <p:nvPr/>
+            </p:nvSpPr>
+            <p:spPr>
+              <a:xfrm>
+                <a:off x="15863937" y="18941469"/>
+                <a:ext cx="12907541" cy="4939814"/>
+              </a:xfrm>
+              <a:prstGeom prst="rect">
+                <a:avLst/>
+              </a:prstGeom>
+              <a:blipFill>
+                <a:blip r:embed="rId6"/>
+                <a:stretch>
+                  <a:fillRect l="-1277" t="-1795" r="-1277" b="-3590"/>
+                </a:stretch>
+              </a:blipFill>
+            </p:spPr>
+            <p:txBody>
+              <a:bodyPr/>
+              <a:lstStyle/>
+              <a:p>
+                <a:r>
+                  <a:rPr lang="da-DK">
+                    <a:noFill/>
+                  </a:rPr>
+                  <a:t> </a:t>
+                </a:r>
+              </a:p>
+            </p:txBody>
+          </p:sp>
+        </mc:Fallback>
+      </mc:AlternateContent>
       <p:sp>
         <p:nvSpPr>
           <p:cNvPr id="1058" name="TextBox 1057">
@@ -5768,8 +5970,8 @@
           </a:p>
         </p:txBody>
       </p:sp>
-      <mc:AlternateContent xmlns:mc="http://schemas.openxmlformats.org/markup-compatibility/2006" xmlns:a14="http://schemas.microsoft.com/office/drawing/2010/main">
-        <mc:Choice Requires="a14">
+      <mc:AlternateContent xmlns:mc="http://schemas.openxmlformats.org/markup-compatibility/2006">
+        <mc:Choice xmlns:a14="http://schemas.microsoft.com/office/drawing/2010/main" Requires="a14">
           <p:sp>
             <p:nvSpPr>
               <p:cNvPr id="9" name="Tekstfelt 10">
@@ -5784,7 +5986,7 @@
             </p:nvSpPr>
             <p:spPr>
               <a:xfrm>
-                <a:off x="562644" y="33009845"/>
+                <a:off x="882403" y="32853534"/>
                 <a:ext cx="6480720" cy="7171194"/>
               </a:xfrm>
               <a:prstGeom prst="rect">
@@ -5948,7 +6150,7 @@
             </p:txBody>
           </p:sp>
         </mc:Choice>
-        <mc:Fallback xmlns="">
+        <mc:Fallback>
           <p:sp>
             <p:nvSpPr>
               <p:cNvPr id="9" name="Tekstfelt 10">
@@ -5965,7 +6167,7 @@
             </p:nvSpPr>
             <p:spPr>
               <a:xfrm>
-                <a:off x="562644" y="33009845"/>
+                <a:off x="882403" y="32853534"/>
                 <a:ext cx="6480720" cy="7171194"/>
               </a:xfrm>
               <a:prstGeom prst="rect">
@@ -5974,7 +6176,7 @@
               <a:blipFill>
                 <a:blip r:embed="rId18"/>
                 <a:stretch>
-                  <a:fillRect l="-3293" t="-1531" r="-2070" b="-2126"/>
+                  <a:fillRect l="-3327" t="-1413" r="-1957" b="-2120"/>
                 </a:stretch>
               </a:blipFill>
             </p:spPr>
@@ -5993,8 +6195,8 @@
           </p:sp>
         </mc:Fallback>
       </mc:AlternateContent>
-      <mc:AlternateContent xmlns:mc="http://schemas.openxmlformats.org/markup-compatibility/2006" xmlns:a14="http://schemas.microsoft.com/office/drawing/2010/main">
-        <mc:Choice Requires="a14">
+      <mc:AlternateContent xmlns:mc="http://schemas.openxmlformats.org/markup-compatibility/2006">
+        <mc:Choice xmlns:a14="http://schemas.microsoft.com/office/drawing/2010/main" Requires="a14">
           <p:sp>
             <p:nvSpPr>
               <p:cNvPr id="19" name="Tekstfelt 10">
@@ -6009,7 +6211,7 @@
             </p:nvSpPr>
             <p:spPr>
               <a:xfrm>
-                <a:off x="8597843" y="24432743"/>
+                <a:off x="8597843" y="24788638"/>
                 <a:ext cx="5678048" cy="7171194"/>
               </a:xfrm>
               <a:prstGeom prst="rect">
@@ -6195,7 +6397,7 @@
             </p:txBody>
           </p:sp>
         </mc:Choice>
-        <mc:Fallback xmlns="">
+        <mc:Fallback>
           <p:sp>
             <p:nvSpPr>
               <p:cNvPr id="19" name="Tekstfelt 10">
@@ -6212,7 +6414,7 @@
             </p:nvSpPr>
             <p:spPr>
               <a:xfrm>
-                <a:off x="8597843" y="24432743"/>
+                <a:off x="8597843" y="24788638"/>
                 <a:ext cx="5678048" cy="7171194"/>
               </a:xfrm>
               <a:prstGeom prst="rect">
@@ -6221,7 +6423,7 @@
               <a:blipFill>
                 <a:blip r:embed="rId19"/>
                 <a:stretch>
-                  <a:fillRect l="-3755" t="-1531" r="-3970" b="-2126"/>
+                  <a:fillRect l="-3563" t="-1413" r="-3786" b="-2120"/>
                 </a:stretch>
               </a:blipFill>
             </p:spPr>
@@ -6240,8 +6442,8 @@
           </p:sp>
         </mc:Fallback>
       </mc:AlternateContent>
-      <mc:AlternateContent xmlns:mc="http://schemas.openxmlformats.org/markup-compatibility/2006" xmlns:a14="http://schemas.microsoft.com/office/drawing/2010/main">
-        <mc:Choice Requires="a14">
+      <mc:AlternateContent xmlns:mc="http://schemas.openxmlformats.org/markup-compatibility/2006">
+        <mc:Choice xmlns:a14="http://schemas.microsoft.com/office/drawing/2010/main" Requires="a14">
           <p:sp>
             <p:nvSpPr>
               <p:cNvPr id="20" name="Tekstfelt 10">
@@ -6256,7 +6458,7 @@
             </p:nvSpPr>
             <p:spPr>
               <a:xfrm>
-                <a:off x="3803004" y="15497477"/>
+                <a:off x="4903941" y="15225647"/>
                 <a:ext cx="6150986" cy="1118255"/>
               </a:xfrm>
               <a:prstGeom prst="rect">
@@ -6376,7 +6578,7 @@
             </p:txBody>
           </p:sp>
         </mc:Choice>
-        <mc:Fallback xmlns="">
+        <mc:Fallback>
           <p:sp>
             <p:nvSpPr>
               <p:cNvPr id="20" name="Tekstfelt 10">
@@ -6393,7 +6595,7 @@
             </p:nvSpPr>
             <p:spPr>
               <a:xfrm>
-                <a:off x="3803004" y="15497477"/>
+                <a:off x="4903941" y="15225647"/>
                 <a:ext cx="6150986" cy="1118255"/>
               </a:xfrm>
               <a:prstGeom prst="rect">
@@ -6402,7 +6604,7 @@
               <a:blipFill>
                 <a:blip r:embed="rId20"/>
                 <a:stretch>
-                  <a:fillRect/>
+                  <a:fillRect b="-9091"/>
                 </a:stretch>
               </a:blipFill>
             </p:spPr>
@@ -6421,8 +6623,8 @@
           </p:sp>
         </mc:Fallback>
       </mc:AlternateContent>
-      <mc:AlternateContent xmlns:mc="http://schemas.openxmlformats.org/markup-compatibility/2006" xmlns:a14="http://schemas.microsoft.com/office/drawing/2010/main">
-        <mc:Choice Requires="a14">
+      <mc:AlternateContent xmlns:mc="http://schemas.openxmlformats.org/markup-compatibility/2006">
+        <mc:Choice xmlns:a14="http://schemas.microsoft.com/office/drawing/2010/main" Requires="a14">
           <p:sp>
             <p:nvSpPr>
               <p:cNvPr id="22" name="Tekstfelt 10">
@@ -6437,7 +6639,7 @@
             </p:nvSpPr>
             <p:spPr>
               <a:xfrm>
-                <a:off x="1351958" y="16723742"/>
+                <a:off x="880361" y="16545504"/>
                 <a:ext cx="4468881" cy="2551596"/>
               </a:xfrm>
               <a:prstGeom prst="rect">
@@ -6445,9 +6647,7 @@
               </a:prstGeom>
               <a:noFill/>
               <a:ln>
-                <a:solidFill>
-                  <a:schemeClr val="tx1"/>
-                </a:solidFill>
+                <a:noFill/>
               </a:ln>
             </p:spPr>
             <p:txBody>
@@ -6456,9 +6656,14 @@
               </a:bodyPr>
               <a:lstStyle/>
               <a:p>
+                <a:pPr algn="ctr"/>
+                <a:r>
+                  <a:rPr lang="en-US" sz="3500" b="1" dirty="0"/>
+                  <a:t>1. </a:t>
+                </a:r>
                 <a:r>
                   <a:rPr lang="en-US" sz="3500" dirty="0"/>
-                  <a:t>1. Universal function approximator</a:t>
+                  <a:t>Universal function approximator</a:t>
                 </a:r>
                 <a:r>
                   <a:rPr lang="en-US" sz="3500" baseline="30000" dirty="0"/>
@@ -6473,12 +6678,13 @@
                 </a:endParaRPr>
               </a:p>
               <a:p>
+                <a:pPr algn="ctr"/>
                 <a:endParaRPr lang="en-US" sz="5200" i="1" dirty="0">
                   <a:latin typeface="Cambria Math" panose="02040503050406030204" pitchFamily="18" charset="0"/>
                 </a:endParaRPr>
               </a:p>
               <a:p>
-                <a:pPr/>
+                <a:pPr algn="ctr"/>
                 <a14:m>
                   <m:oMathPara xmlns:m="http://schemas.openxmlformats.org/officeDocument/2006/math">
                     <m:oMathParaPr>
@@ -6589,7 +6795,7 @@
             </p:txBody>
           </p:sp>
         </mc:Choice>
-        <mc:Fallback xmlns="">
+        <mc:Fallback>
           <p:sp>
             <p:nvSpPr>
               <p:cNvPr id="22" name="Tekstfelt 10">
@@ -6606,7 +6812,7 @@
             </p:nvSpPr>
             <p:spPr>
               <a:xfrm>
-                <a:off x="1351958" y="16723742"/>
+                <a:off x="880361" y="16545504"/>
                 <a:ext cx="4468881" cy="2551596"/>
               </a:xfrm>
               <a:prstGeom prst="rect">
@@ -6615,13 +6821,11 @@
               <a:blipFill>
                 <a:blip r:embed="rId21"/>
                 <a:stretch>
-                  <a:fillRect l="-3946" t="-3563" r="-952"/>
+                  <a:fillRect l="-1133" t="-3465" r="-3683" b="-3960"/>
                 </a:stretch>
               </a:blipFill>
               <a:ln>
-                <a:solidFill>
-                  <a:schemeClr val="tx1"/>
-                </a:solidFill>
+                <a:noFill/>
               </a:ln>
             </p:spPr>
             <p:txBody>
@@ -6639,8 +6843,8 @@
           </p:sp>
         </mc:Fallback>
       </mc:AlternateContent>
-      <mc:AlternateContent xmlns:mc="http://schemas.openxmlformats.org/markup-compatibility/2006" xmlns:a14="http://schemas.microsoft.com/office/drawing/2010/main">
-        <mc:Choice Requires="a14">
+      <mc:AlternateContent xmlns:mc="http://schemas.openxmlformats.org/markup-compatibility/2006">
+        <mc:Choice xmlns:a14="http://schemas.microsoft.com/office/drawing/2010/main" Requires="a14">
           <p:sp>
             <p:nvSpPr>
               <p:cNvPr id="24" name="Tekstfelt 10">
@@ -6655,7 +6859,7 @@
             </p:nvSpPr>
             <p:spPr>
               <a:xfrm>
-                <a:off x="5820840" y="16733943"/>
+                <a:off x="5820840" y="16509172"/>
                 <a:ext cx="4710636" cy="2534027"/>
               </a:xfrm>
               <a:prstGeom prst="rect">
@@ -6663,9 +6867,7 @@
               </a:prstGeom>
               <a:noFill/>
               <a:ln>
-                <a:solidFill>
-                  <a:schemeClr val="tx1"/>
-                </a:solidFill>
+                <a:noFill/>
               </a:ln>
             </p:spPr>
             <p:txBody>
@@ -6674,9 +6876,14 @@
               </a:bodyPr>
               <a:lstStyle/>
               <a:p>
+                <a:pPr algn="ctr"/>
+                <a:r>
+                  <a:rPr lang="en-US" sz="3500" b="1" dirty="0"/>
+                  <a:t>2. </a:t>
+                </a:r>
                 <a:r>
                   <a:rPr lang="en-US" sz="3500" dirty="0"/>
-                  <a:t>2. Automatic differentiation</a:t>
+                  <a:t>Automatic differentiation</a:t>
                 </a:r>
                 <a:r>
                   <a:rPr lang="en-US" sz="3500" baseline="30000" dirty="0"/>
@@ -6684,10 +6891,11 @@
                 </a:r>
               </a:p>
               <a:p>
+                <a:pPr algn="ctr"/>
                 <a:endParaRPr lang="en-US" sz="3300" baseline="30000" dirty="0"/>
               </a:p>
               <a:p>
-                <a:pPr/>
+                <a:pPr algn="ctr"/>
                 <a14:m>
                   <m:oMathPara xmlns:m="http://schemas.openxmlformats.org/officeDocument/2006/math">
                     <m:oMathParaPr>
@@ -6861,7 +7069,7 @@
             </p:txBody>
           </p:sp>
         </mc:Choice>
-        <mc:Fallback xmlns="">
+        <mc:Fallback>
           <p:sp>
             <p:nvSpPr>
               <p:cNvPr id="24" name="Tekstfelt 10">
@@ -6878,7 +7086,7 @@
             </p:nvSpPr>
             <p:spPr>
               <a:xfrm>
-                <a:off x="5820840" y="16733943"/>
+                <a:off x="5820840" y="16509172"/>
                 <a:ext cx="4710636" cy="2534027"/>
               </a:xfrm>
               <a:prstGeom prst="rect">
@@ -6887,13 +7095,11 @@
               <a:blipFill>
                 <a:blip r:embed="rId22"/>
                 <a:stretch>
-                  <a:fillRect l="-3742" t="-3589"/>
+                  <a:fillRect t="-3483" b="-3483"/>
                 </a:stretch>
               </a:blipFill>
               <a:ln>
-                <a:solidFill>
-                  <a:schemeClr val="tx1"/>
-                </a:solidFill>
+                <a:noFill/>
               </a:ln>
             </p:spPr>
             <p:txBody>
@@ -6911,8 +7117,8 @@
           </p:sp>
         </mc:Fallback>
       </mc:AlternateContent>
-      <mc:AlternateContent xmlns:mc="http://schemas.openxmlformats.org/markup-compatibility/2006" xmlns:a14="http://schemas.microsoft.com/office/drawing/2010/main">
-        <mc:Choice Requires="a14">
+      <mc:AlternateContent xmlns:mc="http://schemas.openxmlformats.org/markup-compatibility/2006">
+        <mc:Choice xmlns:a14="http://schemas.microsoft.com/office/drawing/2010/main" Requires="a14">
           <p:sp>
             <p:nvSpPr>
               <p:cNvPr id="25" name="Tekstfelt 10">
@@ -6927,7 +7133,7 @@
             </p:nvSpPr>
             <p:spPr>
               <a:xfrm>
-                <a:off x="10531476" y="16731000"/>
+                <a:off x="10913559" y="16509172"/>
                 <a:ext cx="4333945" cy="2548583"/>
               </a:xfrm>
               <a:prstGeom prst="rect">
@@ -6935,9 +7141,7 @@
               </a:prstGeom>
               <a:noFill/>
               <a:ln>
-                <a:solidFill>
-                  <a:schemeClr val="tx1"/>
-                </a:solidFill>
+                <a:noFill/>
               </a:ln>
             </p:spPr>
             <p:txBody>
@@ -6946,9 +7150,14 @@
               </a:bodyPr>
               <a:lstStyle/>
               <a:p>
+                <a:pPr algn="ctr"/>
+                <a:r>
+                  <a:rPr lang="en-US" sz="3500" b="1" dirty="0"/>
+                  <a:t>3. </a:t>
+                </a:r>
                 <a:r>
                   <a:rPr lang="en-US" sz="3500" dirty="0"/>
-                  <a:t>3. Loss term</a:t>
+                  <a:t>Loss term</a:t>
                 </a:r>
                 <a:r>
                   <a:rPr lang="en-US" sz="3500" baseline="30000" dirty="0"/>
@@ -6965,7 +7174,7 @@
                 <a14:m>
                   <m:oMathPara xmlns:m="http://schemas.openxmlformats.org/officeDocument/2006/math">
                     <m:oMathParaPr>
-                      <m:jc m:val="left"/>
+                      <m:jc m:val="center"/>
                     </m:oMathParaPr>
                     <m:oMath xmlns:m="http://schemas.openxmlformats.org/officeDocument/2006/math">
                       <m:func>
@@ -7161,7 +7370,7 @@
             </p:txBody>
           </p:sp>
         </mc:Choice>
-        <mc:Fallback xmlns="">
+        <mc:Fallback>
           <p:sp>
             <p:nvSpPr>
               <p:cNvPr id="25" name="Tekstfelt 10">
@@ -7178,7 +7387,7 @@
             </p:nvSpPr>
             <p:spPr>
               <a:xfrm>
-                <a:off x="10531476" y="16731000"/>
+                <a:off x="10913559" y="16509172"/>
                 <a:ext cx="4333945" cy="2548583"/>
               </a:xfrm>
               <a:prstGeom prst="rect">
@@ -7187,13 +7396,11 @@
               <a:blipFill>
                 <a:blip r:embed="rId23"/>
                 <a:stretch>
-                  <a:fillRect l="-4067" t="-3571"/>
+                  <a:fillRect t="-3465" b="-1485"/>
                 </a:stretch>
               </a:blipFill>
               <a:ln>
-                <a:solidFill>
-                  <a:schemeClr val="tx1"/>
-                </a:solidFill>
+                <a:noFill/>
               </a:ln>
             </p:spPr>
             <p:txBody>
@@ -8701,7 +8908,7 @@
         </p:blipFill>
         <p:spPr>
           <a:xfrm>
-            <a:off x="245860" y="24553172"/>
+            <a:off x="567985" y="24553172"/>
             <a:ext cx="7587226" cy="7780901"/>
           </a:xfrm>
           <a:prstGeom prst="rect">
@@ -8737,8 +8944,8 @@
         </p:blipFill>
         <p:spPr>
           <a:xfrm>
-            <a:off x="21532042" y="11022899"/>
-            <a:ext cx="7239436" cy="7124172"/>
+            <a:off x="21404683" y="11022898"/>
+            <a:ext cx="7366795" cy="7249503"/>
           </a:xfrm>
           <a:prstGeom prst="rect">
             <a:avLst/>
@@ -8809,7 +9016,7 @@
         </p:blipFill>
         <p:spPr>
           <a:xfrm>
-            <a:off x="7027928" y="32536765"/>
+            <a:off x="7118136" y="32536765"/>
             <a:ext cx="8453899" cy="8669697"/>
           </a:xfrm>
           <a:prstGeom prst="rect">
@@ -8817,6 +9024,166 @@
           </a:prstGeom>
         </p:spPr>
       </p:pic>
+      <p:pic>
+        <p:nvPicPr>
+          <p:cNvPr id="12" name="Billede 11">
+            <a:extLst>
+              <a:ext uri="{FF2B5EF4-FFF2-40B4-BE49-F238E27FC236}">
+                <a16:creationId xmlns:a16="http://schemas.microsoft.com/office/drawing/2014/main" id="{40855039-3DC9-A573-3E00-03886D45FE4A}"/>
+              </a:ext>
+            </a:extLst>
+          </p:cNvPr>
+          <p:cNvPicPr>
+            <a:picLocks noChangeAspect="1"/>
+          </p:cNvPicPr>
+          <p:nvPr/>
+        </p:nvPicPr>
+        <p:blipFill>
+          <a:blip r:embed="rId32">
+            <a:extLst>
+              <a:ext uri="{28A0092B-C50C-407E-A947-70E740481C1C}">
+                <a14:useLocalDpi xmlns:a14="http://schemas.microsoft.com/office/drawing/2010/main" val="0"/>
+              </a:ext>
+            </a:extLst>
+          </a:blip>
+          <a:stretch>
+            <a:fillRect/>
+          </a:stretch>
+        </p:blipFill>
+        <p:spPr>
+          <a:xfrm>
+            <a:off x="15374729" y="23773814"/>
+            <a:ext cx="13721525" cy="8589896"/>
+          </a:xfrm>
+          <a:prstGeom prst="rect">
+            <a:avLst/>
+          </a:prstGeom>
+        </p:spPr>
+      </p:pic>
+      <p:sp>
+        <p:nvSpPr>
+          <p:cNvPr id="13" name="TextBox 113">
+            <a:extLst>
+              <a:ext uri="{FF2B5EF4-FFF2-40B4-BE49-F238E27FC236}">
+                <a16:creationId xmlns:a16="http://schemas.microsoft.com/office/drawing/2014/main" id="{19A3D278-6255-91C8-11C8-710305D8603A}"/>
+              </a:ext>
+            </a:extLst>
+          </p:cNvPr>
+          <p:cNvSpPr txBox="1"/>
+          <p:nvPr/>
+        </p:nvSpPr>
+        <p:spPr>
+          <a:xfrm>
+            <a:off x="15816942" y="32363710"/>
+            <a:ext cx="12907541" cy="3862596"/>
+          </a:xfrm>
+          <a:prstGeom prst="rect">
+            <a:avLst/>
+          </a:prstGeom>
+          <a:noFill/>
+        </p:spPr>
+        <p:txBody>
+          <a:bodyPr wrap="square">
+            <a:spAutoFit/>
+          </a:bodyPr>
+          <a:lstStyle/>
+          <a:p>
+            <a:r>
+              <a:rPr lang="en-US" sz="3500" dirty="0"/>
+              <a:t>The given train data of I (in SIRD) is thus the superposition of the two variants. The PINN is somewhat successful in determining the underlying development of each of the two diseases spreading. Though it has, in this case, switched up the parameters which is the cause of the flipped colors. Considering the sensitivity to change in the parameters, the </a:t>
+            </a:r>
+            <a:r>
+              <a:rPr lang="en-US" sz="3600" dirty="0"/>
+              <a:t>preliminary</a:t>
+            </a:r>
+            <a:r>
+              <a:rPr lang="da-DK" sz="3600" dirty="0"/>
+              <a:t> </a:t>
+            </a:r>
+            <a:r>
+              <a:rPr lang="en-US" sz="3500" dirty="0"/>
+              <a:t>results are quite satisfactory.</a:t>
+            </a:r>
+            <a:endParaRPr lang="da-DK" sz="3500" dirty="0"/>
+          </a:p>
+        </p:txBody>
+      </p:sp>
+      <p:cxnSp>
+        <p:nvCxnSpPr>
+          <p:cNvPr id="17" name="Lige forbindelse 16">
+            <a:extLst>
+              <a:ext uri="{FF2B5EF4-FFF2-40B4-BE49-F238E27FC236}">
+                <a16:creationId xmlns:a16="http://schemas.microsoft.com/office/drawing/2014/main" id="{8A310C0C-8195-E3F9-151D-C76221095D36}"/>
+              </a:ext>
+            </a:extLst>
+          </p:cNvPr>
+          <p:cNvCxnSpPr/>
+          <p:nvPr/>
+        </p:nvCxnSpPr>
+        <p:spPr>
+          <a:xfrm>
+            <a:off x="10747499" y="16291694"/>
+            <a:ext cx="0" cy="2881774"/>
+          </a:xfrm>
+          <a:prstGeom prst="line">
+            <a:avLst/>
+          </a:prstGeom>
+          <a:ln w="12700"/>
+        </p:spPr>
+        <p:style>
+          <a:lnRef idx="1">
+            <a:schemeClr val="dk1"/>
+          </a:lnRef>
+          <a:fillRef idx="0">
+            <a:schemeClr val="dk1"/>
+          </a:fillRef>
+          <a:effectRef idx="0">
+            <a:schemeClr val="dk1"/>
+          </a:effectRef>
+          <a:fontRef idx="minor">
+            <a:schemeClr val="tx1"/>
+          </a:fontRef>
+        </p:style>
+      </p:cxnSp>
+      <p:cxnSp>
+        <p:nvCxnSpPr>
+          <p:cNvPr id="18" name="Lige forbindelse 17">
+            <a:extLst>
+              <a:ext uri="{FF2B5EF4-FFF2-40B4-BE49-F238E27FC236}">
+                <a16:creationId xmlns:a16="http://schemas.microsoft.com/office/drawing/2014/main" id="{80F41193-DCF7-0A28-87D2-9AB20D9ACF4D}"/>
+              </a:ext>
+            </a:extLst>
+          </p:cNvPr>
+          <p:cNvCxnSpPr>
+            <a:cxnSpLocks/>
+          </p:cNvCxnSpPr>
+          <p:nvPr/>
+        </p:nvCxnSpPr>
+        <p:spPr>
+          <a:xfrm>
+            <a:off x="5418907" y="16363702"/>
+            <a:ext cx="0" cy="2881774"/>
+          </a:xfrm>
+          <a:prstGeom prst="line">
+            <a:avLst/>
+          </a:prstGeom>
+          <a:ln w="12700"/>
+        </p:spPr>
+        <p:style>
+          <a:lnRef idx="1">
+            <a:schemeClr val="dk1"/>
+          </a:lnRef>
+          <a:fillRef idx="0">
+            <a:schemeClr val="dk1"/>
+          </a:fillRef>
+          <a:effectRef idx="0">
+            <a:schemeClr val="dk1"/>
+          </a:effectRef>
+          <a:fontRef idx="minor">
+            <a:schemeClr val="tx1"/>
+          </a:fontRef>
+        </p:style>
+      </p:cxnSp>
     </p:spTree>
     <p:extLst>
       <p:ext uri="{BB962C8B-B14F-4D97-AF65-F5344CB8AC3E}">
